--- a/Final/Floyd-Warshall算法.pptx
+++ b/Final/Floyd-Warshall算法.pptx
@@ -11,9 +11,10 @@
     <p:sldId id="260" r:id="rId5"/>
     <p:sldId id="261" r:id="rId6"/>
     <p:sldId id="268" r:id="rId7"/>
-    <p:sldId id="269" r:id="rId8"/>
-    <p:sldId id="266" r:id="rId9"/>
-    <p:sldId id="263" r:id="rId10"/>
+    <p:sldId id="270" r:id="rId8"/>
+    <p:sldId id="269" r:id="rId9"/>
+    <p:sldId id="266" r:id="rId10"/>
+    <p:sldId id="263" r:id="rId11"/>
   </p:sldIdLst>
   <p:sldSz cx="12192000" cy="6858000"/>
   <p:notesSz cx="6858000" cy="9144000"/>
@@ -267,7 +268,7 @@
           <a:p>
             <a:fld id="{0A4BD458-E490-4600-8D8D-EE1754037292}" type="datetimeFigureOut">
               <a:rPr lang="zh-CN" altLang="en-US" smtClean="0"/>
-              <a:t>2024/5/27</a:t>
+              <a:t>2024/5/28</a:t>
             </a:fld>
             <a:endParaRPr lang="zh-CN" altLang="en-US"/>
           </a:p>
@@ -465,7 +466,7 @@
           <a:p>
             <a:fld id="{0A4BD458-E490-4600-8D8D-EE1754037292}" type="datetimeFigureOut">
               <a:rPr lang="zh-CN" altLang="en-US" smtClean="0"/>
-              <a:t>2024/5/27</a:t>
+              <a:t>2024/5/28</a:t>
             </a:fld>
             <a:endParaRPr lang="zh-CN" altLang="en-US"/>
           </a:p>
@@ -673,7 +674,7 @@
           <a:p>
             <a:fld id="{0A4BD458-E490-4600-8D8D-EE1754037292}" type="datetimeFigureOut">
               <a:rPr lang="zh-CN" altLang="en-US" smtClean="0"/>
-              <a:t>2024/5/27</a:t>
+              <a:t>2024/5/28</a:t>
             </a:fld>
             <a:endParaRPr lang="zh-CN" altLang="en-US"/>
           </a:p>
@@ -871,7 +872,7 @@
           <a:p>
             <a:fld id="{0A4BD458-E490-4600-8D8D-EE1754037292}" type="datetimeFigureOut">
               <a:rPr lang="zh-CN" altLang="en-US" smtClean="0"/>
-              <a:t>2024/5/27</a:t>
+              <a:t>2024/5/28</a:t>
             </a:fld>
             <a:endParaRPr lang="zh-CN" altLang="en-US"/>
           </a:p>
@@ -1146,7 +1147,7 @@
           <a:p>
             <a:fld id="{0A4BD458-E490-4600-8D8D-EE1754037292}" type="datetimeFigureOut">
               <a:rPr lang="zh-CN" altLang="en-US" smtClean="0"/>
-              <a:t>2024/5/27</a:t>
+              <a:t>2024/5/28</a:t>
             </a:fld>
             <a:endParaRPr lang="zh-CN" altLang="en-US"/>
           </a:p>
@@ -1411,7 +1412,7 @@
           <a:p>
             <a:fld id="{0A4BD458-E490-4600-8D8D-EE1754037292}" type="datetimeFigureOut">
               <a:rPr lang="zh-CN" altLang="en-US" smtClean="0"/>
-              <a:t>2024/5/27</a:t>
+              <a:t>2024/5/28</a:t>
             </a:fld>
             <a:endParaRPr lang="zh-CN" altLang="en-US"/>
           </a:p>
@@ -1823,7 +1824,7 @@
           <a:p>
             <a:fld id="{0A4BD458-E490-4600-8D8D-EE1754037292}" type="datetimeFigureOut">
               <a:rPr lang="zh-CN" altLang="en-US" smtClean="0"/>
-              <a:t>2024/5/27</a:t>
+              <a:t>2024/5/28</a:t>
             </a:fld>
             <a:endParaRPr lang="zh-CN" altLang="en-US"/>
           </a:p>
@@ -1964,7 +1965,7 @@
           <a:p>
             <a:fld id="{0A4BD458-E490-4600-8D8D-EE1754037292}" type="datetimeFigureOut">
               <a:rPr lang="zh-CN" altLang="en-US" smtClean="0"/>
-              <a:t>2024/5/27</a:t>
+              <a:t>2024/5/28</a:t>
             </a:fld>
             <a:endParaRPr lang="zh-CN" altLang="en-US"/>
           </a:p>
@@ -2077,7 +2078,7 @@
           <a:p>
             <a:fld id="{0A4BD458-E490-4600-8D8D-EE1754037292}" type="datetimeFigureOut">
               <a:rPr lang="zh-CN" altLang="en-US" smtClean="0"/>
-              <a:t>2024/5/27</a:t>
+              <a:t>2024/5/28</a:t>
             </a:fld>
             <a:endParaRPr lang="zh-CN" altLang="en-US"/>
           </a:p>
@@ -2388,7 +2389,7 @@
           <a:p>
             <a:fld id="{0A4BD458-E490-4600-8D8D-EE1754037292}" type="datetimeFigureOut">
               <a:rPr lang="zh-CN" altLang="en-US" smtClean="0"/>
-              <a:t>2024/5/27</a:t>
+              <a:t>2024/5/28</a:t>
             </a:fld>
             <a:endParaRPr lang="zh-CN" altLang="en-US"/>
           </a:p>
@@ -2676,7 +2677,7 @@
           <a:p>
             <a:fld id="{0A4BD458-E490-4600-8D8D-EE1754037292}" type="datetimeFigureOut">
               <a:rPr lang="zh-CN" altLang="en-US" smtClean="0"/>
-              <a:t>2024/5/27</a:t>
+              <a:t>2024/5/28</a:t>
             </a:fld>
             <a:endParaRPr lang="zh-CN" altLang="en-US"/>
           </a:p>
@@ -2953,7 +2954,7 @@
           <a:p>
             <a:fld id="{0A4BD458-E490-4600-8D8D-EE1754037292}" type="datetimeFigureOut">
               <a:rPr lang="zh-CN" altLang="en-US" smtClean="0"/>
-              <a:t>2024/5/27</a:t>
+              <a:t>2024/5/28</a:t>
             </a:fld>
             <a:endParaRPr lang="zh-CN" altLang="en-US"/>
           </a:p>
@@ -3504,6 +3505,112 @@
 </p:sld>
 </file>
 
+<file path=ppt/slides/slide10.xml><?xml version="1.0" encoding="utf-8"?>
+<p:sld xmlns:a="http://schemas.openxmlformats.org/drawingml/2006/main" xmlns:r="http://schemas.openxmlformats.org/officeDocument/2006/relationships" xmlns:p="http://schemas.openxmlformats.org/presentationml/2006/main">
+  <p:cSld>
+    <p:spTree>
+      <p:nvGrpSpPr>
+        <p:cNvPr id="1" name=""/>
+        <p:cNvGrpSpPr/>
+        <p:nvPr/>
+      </p:nvGrpSpPr>
+      <p:grpSpPr>
+        <a:xfrm>
+          <a:off x="0" y="0"/>
+          <a:ext cx="0" cy="0"/>
+          <a:chOff x="0" y="0"/>
+          <a:chExt cx="0" cy="0"/>
+        </a:xfrm>
+      </p:grpSpPr>
+      <p:sp>
+        <p:nvSpPr>
+          <p:cNvPr id="2" name="标题 1">
+            <a:extLst>
+              <a:ext uri="{FF2B5EF4-FFF2-40B4-BE49-F238E27FC236}">
+                <a16:creationId xmlns:a16="http://schemas.microsoft.com/office/drawing/2014/main" id="{F1F804D9-F3BA-AD06-B2D7-68983CDE99CA}"/>
+              </a:ext>
+            </a:extLst>
+          </p:cNvPr>
+          <p:cNvSpPr>
+            <a:spLocks noGrp="1"/>
+          </p:cNvSpPr>
+          <p:nvPr>
+            <p:ph type="ctrTitle"/>
+          </p:nvPr>
+        </p:nvSpPr>
+        <p:spPr/>
+        <p:txBody>
+          <a:bodyPr>
+            <a:normAutofit/>
+          </a:bodyPr>
+          <a:lstStyle/>
+          <a:p>
+            <a:pPr>
+              <a:lnSpc>
+                <a:spcPct val="80000"/>
+              </a:lnSpc>
+            </a:pPr>
+            <a:r>
+              <a:rPr lang="zh-CN" altLang="en-US" sz="6600" b="1" dirty="0">
+                <a:latin typeface="黑体" panose="02010609060101010101" pitchFamily="49" charset="-122"/>
+                <a:ea typeface="黑体" panose="02010609060101010101" pitchFamily="49" charset="-122"/>
+                <a:cs typeface="Liberation Mono" panose="02070409020205020404" pitchFamily="49" charset="0"/>
+              </a:rPr>
+              <a:t>谢谢聆听</a:t>
+            </a:r>
+          </a:p>
+        </p:txBody>
+      </p:sp>
+      <p:sp>
+        <p:nvSpPr>
+          <p:cNvPr id="3" name="副标题 2">
+            <a:extLst>
+              <a:ext uri="{FF2B5EF4-FFF2-40B4-BE49-F238E27FC236}">
+                <a16:creationId xmlns:a16="http://schemas.microsoft.com/office/drawing/2014/main" id="{C81470A7-F122-EDA8-E169-A657DD2166B7}"/>
+              </a:ext>
+            </a:extLst>
+          </p:cNvPr>
+          <p:cNvSpPr>
+            <a:spLocks noGrp="1"/>
+          </p:cNvSpPr>
+          <p:nvPr>
+            <p:ph type="subTitle" idx="1"/>
+          </p:nvPr>
+        </p:nvSpPr>
+        <p:spPr/>
+        <p:txBody>
+          <a:bodyPr>
+            <a:normAutofit/>
+          </a:bodyPr>
+          <a:lstStyle/>
+          <a:p>
+            <a:r>
+              <a:rPr lang="en-US" altLang="zh-CN" sz="3200" dirty="0">
+                <a:latin typeface="Cambria Math" panose="02040503050406030204" pitchFamily="18" charset="0"/>
+                <a:ea typeface="宋体" panose="02010600030101010101" pitchFamily="2" charset="-122"/>
+              </a:rPr>
+              <a:t>2024-6-4</a:t>
+            </a:r>
+            <a:endParaRPr lang="zh-CN" altLang="en-US" sz="3200" dirty="0">
+              <a:latin typeface="Cambria Math" panose="02040503050406030204" pitchFamily="18" charset="0"/>
+              <a:ea typeface="宋体" panose="02010600030101010101" pitchFamily="2" charset="-122"/>
+            </a:endParaRPr>
+          </a:p>
+        </p:txBody>
+      </p:sp>
+    </p:spTree>
+    <p:extLst>
+      <p:ext uri="{BB962C8B-B14F-4D97-AF65-F5344CB8AC3E}">
+        <p14:creationId xmlns:p14="http://schemas.microsoft.com/office/powerpoint/2010/main" val="788142843"/>
+      </p:ext>
+    </p:extLst>
+  </p:cSld>
+  <p:clrMapOvr>
+    <a:masterClrMapping/>
+  </p:clrMapOvr>
+</p:sld>
+</file>
+
 <file path=ppt/slides/slide2.xml><?xml version="1.0" encoding="utf-8"?>
 <p:sld xmlns:a="http://schemas.openxmlformats.org/drawingml/2006/main" xmlns:r="http://schemas.openxmlformats.org/officeDocument/2006/relationships" xmlns:p="http://schemas.openxmlformats.org/presentationml/2006/main">
   <p:cSld>
@@ -3871,7 +3978,7 @@
           </a:bodyPr>
           <a:lstStyle/>
           <a:p>
-            <a:pPr marL="0" indent="0" algn="just">
+            <a:pPr marL="0" indent="0">
               <a:lnSpc>
                 <a:spcPct val="114000"/>
               </a:lnSpc>
@@ -3963,7 +4070,7 @@
             </a:endParaRPr>
           </a:p>
           <a:p>
-            <a:pPr marL="0" indent="0" algn="just">
+            <a:pPr marL="0" indent="0">
               <a:lnSpc>
                 <a:spcPct val="114000"/>
               </a:lnSpc>
@@ -3973,67 +4080,74 @@
               <a:buNone/>
             </a:pPr>
             <a:r>
-              <a:rPr lang="en-US" altLang="zh-CN" sz="3200" b="1" dirty="0">
+              <a:rPr lang="en-US" altLang="zh-CN" sz="3000" b="1" dirty="0">
                 <a:latin typeface="Cambria Math" panose="02040503050406030204" pitchFamily="18" charset="0"/>
                 <a:ea typeface="宋体" panose="02010600030101010101" pitchFamily="2" charset="-122"/>
               </a:rPr>
               <a:t>· </a:t>
             </a:r>
             <a:r>
-              <a:rPr lang="zh-CN" altLang="en-US" sz="3200" dirty="0">
+              <a:rPr lang="zh-CN" altLang="en-US" sz="3000" b="1" dirty="0">
                 <a:latin typeface="Cambria Math" panose="02040503050406030204" pitchFamily="18" charset="0"/>
                 <a:ea typeface="宋体" panose="02010600030101010101" pitchFamily="2" charset="-122"/>
               </a:rPr>
               <a:t>若 </a:t>
             </a:r>
             <a:r>
+              <a:rPr lang="en-US" altLang="zh-CN" sz="3000" b="1" dirty="0">
+                <a:latin typeface="Cambria Math" panose="02040503050406030204" pitchFamily="18" charset="0"/>
+                <a:ea typeface="宋体" panose="02010600030101010101" pitchFamily="2" charset="-122"/>
+              </a:rPr>
+              <a:t>i=k </a:t>
+            </a:r>
+            <a:r>
+              <a:rPr lang="zh-CN" altLang="en-US" sz="3000" b="1" dirty="0">
+                <a:latin typeface="Cambria Math" panose="02040503050406030204" pitchFamily="18" charset="0"/>
+                <a:ea typeface="宋体" panose="02010600030101010101" pitchFamily="2" charset="-122"/>
+              </a:rPr>
+              <a:t>或 </a:t>
+            </a:r>
+            <a:r>
+              <a:rPr lang="en-US" altLang="zh-CN" sz="3000" b="1" dirty="0">
+                <a:latin typeface="Cambria Math" panose="02040503050406030204" pitchFamily="18" charset="0"/>
+                <a:ea typeface="宋体" panose="02010600030101010101" pitchFamily="2" charset="-122"/>
+              </a:rPr>
+              <a:t>j</a:t>
+            </a:r>
+            <a:r>
+              <a:rPr lang="zh-CN" altLang="en-US" sz="3000" b="1" dirty="0">
+                <a:latin typeface="Cambria Math" panose="02040503050406030204" pitchFamily="18" charset="0"/>
+                <a:ea typeface="宋体" panose="02010600030101010101" pitchFamily="2" charset="-122"/>
+              </a:rPr>
+              <a:t>＝</a:t>
+            </a:r>
+            <a:r>
+              <a:rPr lang="en-US" altLang="zh-CN" sz="3000" b="1" dirty="0">
+                <a:latin typeface="Cambria Math" panose="02040503050406030204" pitchFamily="18" charset="0"/>
+                <a:ea typeface="宋体" panose="02010600030101010101" pitchFamily="2" charset="-122"/>
+              </a:rPr>
+              <a:t>k</a:t>
+            </a:r>
+            <a:r>
+              <a:rPr lang="zh-CN" altLang="en-US" sz="3000" b="1" dirty="0">
+                <a:latin typeface="Cambria Math" panose="02040503050406030204" pitchFamily="18" charset="0"/>
+                <a:ea typeface="宋体" panose="02010600030101010101" pitchFamily="2" charset="-122"/>
+              </a:rPr>
+              <a:t> </a:t>
+            </a:r>
+            <a:r>
+              <a:rPr lang="en-US" altLang="zh-CN" sz="3000" b="1" dirty="0">
+                <a:latin typeface="Cambria Math" panose="02040503050406030204" pitchFamily="18" charset="0"/>
+                <a:ea typeface="宋体" panose="02010600030101010101" pitchFamily="2" charset="-122"/>
+              </a:rPr>
+              <a:t>  </a:t>
+            </a:r>
+            <a:r>
               <a:rPr lang="en-US" altLang="zh-CN" sz="3200" dirty="0">
                 <a:latin typeface="Cambria Math" panose="02040503050406030204" pitchFamily="18" charset="0"/>
                 <a:ea typeface="宋体" panose="02010600030101010101" pitchFamily="2" charset="-122"/>
               </a:rPr>
-              <a:t>i=k </a:t>
-            </a:r>
-            <a:r>
-              <a:rPr lang="zh-CN" altLang="en-US" sz="3200" dirty="0">
-                <a:latin typeface="Cambria Math" panose="02040503050406030204" pitchFamily="18" charset="0"/>
-                <a:ea typeface="宋体" panose="02010600030101010101" pitchFamily="2" charset="-122"/>
-              </a:rPr>
-              <a:t>或 </a:t>
-            </a:r>
-            <a:r>
-              <a:rPr lang="en-US" altLang="zh-CN" sz="3200" dirty="0">
-                <a:latin typeface="Cambria Math" panose="02040503050406030204" pitchFamily="18" charset="0"/>
-                <a:ea typeface="宋体" panose="02010600030101010101" pitchFamily="2" charset="-122"/>
-              </a:rPr>
-              <a:t>j</a:t>
-            </a:r>
-            <a:r>
-              <a:rPr lang="zh-CN" altLang="en-US" sz="3200" dirty="0">
-                <a:latin typeface="Cambria Math" panose="02040503050406030204" pitchFamily="18" charset="0"/>
-                <a:ea typeface="宋体" panose="02010600030101010101" pitchFamily="2" charset="-122"/>
-              </a:rPr>
-              <a:t>＝</a:t>
-            </a:r>
-            <a:r>
-              <a:rPr lang="en-US" altLang="zh-CN" sz="3200" dirty="0">
-                <a:latin typeface="Cambria Math" panose="02040503050406030204" pitchFamily="18" charset="0"/>
-                <a:ea typeface="宋体" panose="02010600030101010101" pitchFamily="2" charset="-122"/>
-              </a:rPr>
-              <a:t>k </a:t>
-            </a:r>
-            <a:r>
-              <a:rPr lang="zh-CN" altLang="en-US" sz="3200" dirty="0">
-                <a:latin typeface="Cambria Math" panose="02040503050406030204" pitchFamily="18" charset="0"/>
-                <a:ea typeface="宋体" panose="02010600030101010101" pitchFamily="2" charset="-122"/>
-              </a:rPr>
-              <a:t>：</a:t>
-            </a:r>
-            <a:r>
-              <a:rPr lang="en-US" altLang="zh-CN" sz="3200" dirty="0">
-                <a:latin typeface="Cambria Math" panose="02040503050406030204" pitchFamily="18" charset="0"/>
-                <a:ea typeface="宋体" panose="02010600030101010101" pitchFamily="2" charset="-122"/>
-              </a:rPr>
-              <a:t> D[k+1][i][j] =D[k][i][j] </a:t>
+              <a:t>D[k+1][i][j] =D[k][i][j] </a:t>
             </a:r>
             <a:r>
               <a:rPr lang="zh-CN" altLang="en-US" sz="3200" b="1" dirty="0">
@@ -4048,7 +4162,7 @@
             </a:endParaRPr>
           </a:p>
           <a:p>
-            <a:pPr marL="0" indent="0" algn="just">
+            <a:pPr marL="0" indent="0">
               <a:lnSpc>
                 <a:spcPct val="114000"/>
               </a:lnSpc>
@@ -4058,18 +4172,18 @@
               <a:buNone/>
             </a:pPr>
             <a:r>
-              <a:rPr lang="en-US" altLang="zh-CN" sz="3200" b="1" dirty="0">
+              <a:rPr lang="en-US" altLang="zh-CN" sz="3000" b="1" dirty="0">
                 <a:latin typeface="Cambria Math" panose="02040503050406030204" pitchFamily="18" charset="0"/>
                 <a:ea typeface="宋体" panose="02010600030101010101" pitchFamily="2" charset="-122"/>
               </a:rPr>
               <a:t>· </a:t>
             </a:r>
             <a:r>
-              <a:rPr lang="zh-CN" altLang="en-US" sz="3200" dirty="0">
-                <a:latin typeface="Cambria Math" panose="02040503050406030204" pitchFamily="18" charset="0"/>
-                <a:ea typeface="宋体" panose="02010600030101010101" pitchFamily="2" charset="-122"/>
-              </a:rPr>
-              <a:t>否则：</a:t>
+              <a:rPr lang="zh-CN" altLang="en-US" sz="3000" b="1" dirty="0">
+                <a:latin typeface="Cambria Math" panose="02040503050406030204" pitchFamily="18" charset="0"/>
+                <a:ea typeface="宋体" panose="02010600030101010101" pitchFamily="2" charset="-122"/>
+              </a:rPr>
+              <a:t>否则  </a:t>
             </a:r>
             <a:r>
               <a:rPr lang="en-US" altLang="zh-CN" sz="3200" dirty="0">
@@ -4080,7 +4194,7 @@
             </a:r>
           </a:p>
           <a:p>
-            <a:pPr marL="0" indent="0" algn="just">
+            <a:pPr marL="0" indent="0">
               <a:lnSpc>
                 <a:spcPct val="114000"/>
               </a:lnSpc>
@@ -4090,18 +4204,18 @@
               <a:buNone/>
             </a:pPr>
             <a:r>
-              <a:rPr lang="en-US" altLang="zh-CN" sz="3200" b="1" dirty="0">
+              <a:rPr lang="en-US" altLang="zh-CN" sz="3000" b="1" dirty="0">
                 <a:latin typeface="Cambria Math" panose="02040503050406030204" pitchFamily="18" charset="0"/>
                 <a:ea typeface="宋体" panose="02010600030101010101" pitchFamily="2" charset="-122"/>
               </a:rPr>
               <a:t>· </a:t>
             </a:r>
             <a:r>
-              <a:rPr lang="zh-CN" altLang="en-US" sz="3200" dirty="0">
-                <a:latin typeface="Cambria Math" panose="02040503050406030204" pitchFamily="18" charset="0"/>
-                <a:ea typeface="宋体" panose="02010600030101010101" pitchFamily="2" charset="-122"/>
-              </a:rPr>
-              <a:t>初值为：</a:t>
+              <a:rPr lang="zh-CN" altLang="en-US" sz="3000" b="1" dirty="0">
+                <a:latin typeface="Cambria Math" panose="02040503050406030204" pitchFamily="18" charset="0"/>
+                <a:ea typeface="宋体" panose="02010600030101010101" pitchFamily="2" charset="-122"/>
+              </a:rPr>
+              <a:t>初值  </a:t>
             </a:r>
             <a:r>
               <a:rPr lang="en-US" altLang="zh-CN" sz="3200" dirty="0">
@@ -4112,7 +4226,7 @@
             </a:r>
           </a:p>
           <a:p>
-            <a:pPr marL="0" indent="0" algn="just">
+            <a:pPr marL="0" indent="0">
               <a:lnSpc>
                 <a:spcPct val="114000"/>
               </a:lnSpc>
@@ -5361,6 +5475,314 @@
             <a:spLocks noGrp="1"/>
           </p:cNvSpPr>
           <p:nvPr>
+            <p:ph idx="1"/>
+          </p:nvPr>
+        </p:nvSpPr>
+        <p:spPr>
+          <a:xfrm>
+            <a:off x="838200" y="1825625"/>
+            <a:ext cx="6703031" cy="4351338"/>
+          </a:xfrm>
+        </p:spPr>
+        <p:txBody>
+          <a:bodyPr vert="horz" lIns="91440" tIns="45720" rIns="91440" bIns="45720" rtlCol="0">
+            <a:normAutofit/>
+          </a:bodyPr>
+          <a:lstStyle/>
+          <a:p>
+            <a:pPr marL="0" indent="0">
+              <a:lnSpc>
+                <a:spcPct val="114000"/>
+              </a:lnSpc>
+              <a:buNone/>
+            </a:pPr>
+            <a:r>
+              <a:rPr lang="en-US" altLang="zh-CN" sz="3200" dirty="0">
+                <a:latin typeface="Cambria Math" panose="02040503050406030204" pitchFamily="18" charset="0"/>
+                <a:ea typeface="宋体" panose="02010600030101010101" pitchFamily="2" charset="-122"/>
+              </a:rPr>
+              <a:t>	</a:t>
+            </a:r>
+            <a:r>
+              <a:rPr lang="zh-CN" altLang="en-US" sz="3200" dirty="0">
+                <a:latin typeface="Cambria Math" panose="02040503050406030204" pitchFamily="18" charset="0"/>
+                <a:ea typeface="宋体" panose="02010600030101010101" pitchFamily="2" charset="-122"/>
+              </a:rPr>
+              <a:t>按行列分块的代码实现比按行分块复杂很多，优势何在？</a:t>
+            </a:r>
+            <a:endParaRPr lang="en-US" altLang="zh-CN" sz="3200" dirty="0">
+              <a:latin typeface="Cambria Math" panose="02040503050406030204" pitchFamily="18" charset="0"/>
+              <a:ea typeface="宋体" panose="02010600030101010101" pitchFamily="2" charset="-122"/>
+            </a:endParaRPr>
+          </a:p>
+          <a:p>
+            <a:pPr marL="0" indent="0">
+              <a:lnSpc>
+                <a:spcPct val="114000"/>
+              </a:lnSpc>
+              <a:buNone/>
+            </a:pPr>
+            <a:r>
+              <a:rPr lang="en-US" altLang="zh-CN" sz="3200" dirty="0">
+                <a:latin typeface="Cambria Math" panose="02040503050406030204" pitchFamily="18" charset="0"/>
+                <a:ea typeface="宋体" panose="02010600030101010101" pitchFamily="2" charset="-122"/>
+              </a:rPr>
+              <a:t>	</a:t>
+            </a:r>
+            <a:r>
+              <a:rPr lang="zh-CN" altLang="en-US" sz="3200" dirty="0">
+                <a:latin typeface="Cambria Math" panose="02040503050406030204" pitchFamily="18" charset="0"/>
+                <a:ea typeface="宋体" panose="02010600030101010101" pitchFamily="2" charset="-122"/>
+              </a:rPr>
+              <a:t>消息传递耗时（</a:t>
+            </a:r>
+            <a:r>
+              <a:rPr lang="en-US" altLang="zh-CN" sz="3200" dirty="0">
+                <a:latin typeface="Cambria Math" panose="02040503050406030204" pitchFamily="18" charset="0"/>
+                <a:ea typeface="宋体" panose="02010600030101010101" pitchFamily="2" charset="-122"/>
+              </a:rPr>
+              <a:t>M^2</a:t>
+            </a:r>
+            <a:r>
+              <a:rPr lang="zh-CN" altLang="en-US" sz="3200" dirty="0">
+                <a:latin typeface="Cambria Math" panose="02040503050406030204" pitchFamily="18" charset="0"/>
+                <a:ea typeface="宋体" panose="02010600030101010101" pitchFamily="2" charset="-122"/>
+              </a:rPr>
+              <a:t>个进程）：</a:t>
+            </a:r>
+            <a:br>
+              <a:rPr lang="en-US" altLang="zh-CN" sz="3200" dirty="0">
+                <a:latin typeface="Cambria Math" panose="02040503050406030204" pitchFamily="18" charset="0"/>
+                <a:ea typeface="宋体" panose="02010600030101010101" pitchFamily="2" charset="-122"/>
+              </a:rPr>
+            </a:br>
+            <a:r>
+              <a:rPr lang="en-US" altLang="zh-CN" sz="3200" b="1" dirty="0">
+                <a:latin typeface="Cambria Math" panose="02040503050406030204" pitchFamily="18" charset="0"/>
+                <a:ea typeface="宋体" panose="02010600030101010101" pitchFamily="2" charset="-122"/>
+              </a:rPr>
+              <a:t>· </a:t>
+            </a:r>
+            <a:r>
+              <a:rPr lang="zh-CN" altLang="en-US" sz="3200" b="1" dirty="0">
+                <a:latin typeface="Cambria Math" panose="02040503050406030204" pitchFamily="18" charset="0"/>
+                <a:ea typeface="宋体" panose="02010600030101010101" pitchFamily="2" charset="-122"/>
+              </a:rPr>
+              <a:t>按行</a:t>
+            </a:r>
+            <a:r>
+              <a:rPr lang="zh-CN" altLang="en-US" sz="3200" dirty="0">
+                <a:latin typeface="Cambria Math" panose="02040503050406030204" pitchFamily="18" charset="0"/>
+                <a:ea typeface="宋体" panose="02010600030101010101" pitchFamily="2" charset="-122"/>
+              </a:rPr>
+              <a:t>：</a:t>
+            </a:r>
+            <a:r>
+              <a:rPr lang="en-US" altLang="zh-CN" sz="3200" dirty="0">
+                <a:latin typeface="Cambria Math" panose="02040503050406030204" pitchFamily="18" charset="0"/>
+                <a:ea typeface="宋体" panose="02010600030101010101" pitchFamily="2" charset="-122"/>
+              </a:rPr>
+              <a:t>	N*log(N^2)*f(N)</a:t>
+            </a:r>
+            <a:br>
+              <a:rPr lang="en-US" altLang="zh-CN" sz="3200" dirty="0">
+                <a:latin typeface="Cambria Math" panose="02040503050406030204" pitchFamily="18" charset="0"/>
+                <a:ea typeface="宋体" panose="02010600030101010101" pitchFamily="2" charset="-122"/>
+              </a:rPr>
+            </a:br>
+            <a:r>
+              <a:rPr lang="en-US" altLang="zh-CN" sz="3200" b="1" dirty="0">
+                <a:latin typeface="Cambria Math" panose="02040503050406030204" pitchFamily="18" charset="0"/>
+                <a:ea typeface="宋体" panose="02010600030101010101" pitchFamily="2" charset="-122"/>
+              </a:rPr>
+              <a:t>· </a:t>
+            </a:r>
+            <a:r>
+              <a:rPr lang="zh-CN" altLang="en-US" sz="3200" b="1" dirty="0">
+                <a:latin typeface="Cambria Math" panose="02040503050406030204" pitchFamily="18" charset="0"/>
+                <a:ea typeface="宋体" panose="02010600030101010101" pitchFamily="2" charset="-122"/>
+              </a:rPr>
+              <a:t>按行列</a:t>
+            </a:r>
+            <a:r>
+              <a:rPr lang="zh-CN" altLang="en-US" sz="3200" dirty="0">
+                <a:latin typeface="Cambria Math" panose="02040503050406030204" pitchFamily="18" charset="0"/>
+                <a:ea typeface="宋体" panose="02010600030101010101" pitchFamily="2" charset="-122"/>
+              </a:rPr>
+              <a:t>：</a:t>
+            </a:r>
+            <a:r>
+              <a:rPr lang="en-US" altLang="zh-CN" sz="3200" dirty="0">
+                <a:latin typeface="Cambria Math" panose="02040503050406030204" pitchFamily="18" charset="0"/>
+                <a:ea typeface="宋体" panose="02010600030101010101" pitchFamily="2" charset="-122"/>
+              </a:rPr>
+              <a:t>N*(2*log(N))*</a:t>
+            </a:r>
+            <a:r>
+              <a:rPr lang="en-US" altLang="zh-CN" sz="3200" dirty="0">
+                <a:solidFill>
+                  <a:srgbClr val="FF0000"/>
+                </a:solidFill>
+                <a:latin typeface="Cambria Math" panose="02040503050406030204" pitchFamily="18" charset="0"/>
+                <a:ea typeface="宋体" panose="02010600030101010101" pitchFamily="2" charset="-122"/>
+              </a:rPr>
+              <a:t>f(N/M)</a:t>
+            </a:r>
+            <a:br>
+              <a:rPr lang="en-US" altLang="zh-CN" sz="3200" dirty="0">
+                <a:solidFill>
+                  <a:srgbClr val="FF0000"/>
+                </a:solidFill>
+                <a:latin typeface="Cambria Math" panose="02040503050406030204" pitchFamily="18" charset="0"/>
+                <a:ea typeface="宋体" panose="02010600030101010101" pitchFamily="2" charset="-122"/>
+              </a:rPr>
+            </a:br>
+            <a:r>
+              <a:rPr lang="zh-CN" altLang="en-US" sz="3200" b="1" dirty="0">
+                <a:latin typeface="Cambria Math" panose="02040503050406030204" pitchFamily="18" charset="0"/>
+                <a:ea typeface="宋体" panose="02010600030101010101" pitchFamily="2" charset="-122"/>
+              </a:rPr>
+              <a:t>相当于消息传递过程也被并行化了。</a:t>
+            </a:r>
+            <a:endParaRPr lang="en-US" altLang="zh-CN" sz="3200" b="1" dirty="0">
+              <a:latin typeface="Cambria Math" panose="02040503050406030204" pitchFamily="18" charset="0"/>
+              <a:ea typeface="宋体" panose="02010600030101010101" pitchFamily="2" charset="-122"/>
+            </a:endParaRPr>
+          </a:p>
+          <a:p>
+            <a:pPr marL="0" indent="0">
+              <a:lnSpc>
+                <a:spcPct val="114000"/>
+              </a:lnSpc>
+              <a:buNone/>
+            </a:pPr>
+            <a:endParaRPr lang="en-US" altLang="zh-CN" sz="3200" dirty="0">
+              <a:latin typeface="宋体" panose="02010600030101010101" pitchFamily="2" charset="-122"/>
+              <a:ea typeface="宋体" panose="02010600030101010101" pitchFamily="2" charset="-122"/>
+            </a:endParaRPr>
+          </a:p>
+          <a:p>
+            <a:pPr marL="0" indent="0">
+              <a:lnSpc>
+                <a:spcPct val="114000"/>
+              </a:lnSpc>
+              <a:buNone/>
+            </a:pPr>
+            <a:r>
+              <a:rPr lang="en-US" altLang="zh-CN" sz="3200" dirty="0">
+                <a:latin typeface="宋体" panose="02010600030101010101" pitchFamily="2" charset="-122"/>
+                <a:ea typeface="宋体" panose="02010600030101010101" pitchFamily="2" charset="-122"/>
+              </a:rPr>
+              <a:t>	</a:t>
+            </a:r>
+          </a:p>
+        </p:txBody>
+      </p:sp>
+      <p:pic>
+        <p:nvPicPr>
+          <p:cNvPr id="6" name="图片 5">
+            <a:extLst>
+              <a:ext uri="{FF2B5EF4-FFF2-40B4-BE49-F238E27FC236}">
+                <a16:creationId xmlns:a16="http://schemas.microsoft.com/office/drawing/2014/main" id="{FF731A91-7FC1-F5E4-B447-F960BCDBDEC0}"/>
+              </a:ext>
+            </a:extLst>
+          </p:cNvPr>
+          <p:cNvPicPr>
+            <a:picLocks noChangeAspect="1"/>
+          </p:cNvPicPr>
+          <p:nvPr/>
+        </p:nvPicPr>
+        <p:blipFill rotWithShape="1">
+          <a:blip r:embed="rId2"/>
+          <a:srcRect r="791" b="1098"/>
+          <a:stretch/>
+        </p:blipFill>
+        <p:spPr>
+          <a:xfrm>
+            <a:off x="7541231" y="1825625"/>
+            <a:ext cx="3661436" cy="3600000"/>
+          </a:xfrm>
+          <a:prstGeom prst="rect">
+            <a:avLst/>
+          </a:prstGeom>
+        </p:spPr>
+      </p:pic>
+    </p:spTree>
+    <p:extLst>
+      <p:ext uri="{BB962C8B-B14F-4D97-AF65-F5344CB8AC3E}">
+        <p14:creationId xmlns:p14="http://schemas.microsoft.com/office/powerpoint/2010/main" val="1357540436"/>
+      </p:ext>
+    </p:extLst>
+  </p:cSld>
+  <p:clrMapOvr>
+    <a:masterClrMapping/>
+  </p:clrMapOvr>
+</p:sld>
+</file>
+
+<file path=ppt/slides/slide8.xml><?xml version="1.0" encoding="utf-8"?>
+<p:sld xmlns:a="http://schemas.openxmlformats.org/drawingml/2006/main" xmlns:r="http://schemas.openxmlformats.org/officeDocument/2006/relationships" xmlns:p="http://schemas.openxmlformats.org/presentationml/2006/main">
+  <p:cSld>
+    <p:spTree>
+      <p:nvGrpSpPr>
+        <p:cNvPr id="1" name=""/>
+        <p:cNvGrpSpPr/>
+        <p:nvPr/>
+      </p:nvGrpSpPr>
+      <p:grpSpPr>
+        <a:xfrm>
+          <a:off x="0" y="0"/>
+          <a:ext cx="0" cy="0"/>
+          <a:chOff x="0" y="0"/>
+          <a:chExt cx="0" cy="0"/>
+        </a:xfrm>
+      </p:grpSpPr>
+      <p:sp>
+        <p:nvSpPr>
+          <p:cNvPr id="2" name="标题 1">
+            <a:extLst>
+              <a:ext uri="{FF2B5EF4-FFF2-40B4-BE49-F238E27FC236}">
+                <a16:creationId xmlns:a16="http://schemas.microsoft.com/office/drawing/2014/main" id="{7584DA3B-86A6-98BA-8C21-72EEC54F3297}"/>
+              </a:ext>
+            </a:extLst>
+          </p:cNvPr>
+          <p:cNvSpPr>
+            <a:spLocks noGrp="1"/>
+          </p:cNvSpPr>
+          <p:nvPr>
+            <p:ph type="title"/>
+          </p:nvPr>
+        </p:nvSpPr>
+        <p:spPr/>
+        <p:txBody>
+          <a:bodyPr>
+            <a:normAutofit/>
+          </a:bodyPr>
+          <a:lstStyle/>
+          <a:p>
+            <a:r>
+              <a:rPr lang="zh-CN" altLang="en-US" sz="4800" b="1" dirty="0">
+                <a:latin typeface="黑体" panose="02010609060101010101" pitchFamily="49" charset="-122"/>
+                <a:ea typeface="黑体" panose="02010609060101010101" pitchFamily="49" charset="-122"/>
+              </a:rPr>
+              <a:t>程序实现</a:t>
+            </a:r>
+          </a:p>
+        </p:txBody>
+      </p:sp>
+      <p:sp>
+        <p:nvSpPr>
+          <p:cNvPr id="3" name="内容占位符 2">
+            <a:extLst>
+              <a:ext uri="{FF2B5EF4-FFF2-40B4-BE49-F238E27FC236}">
+                <a16:creationId xmlns:a16="http://schemas.microsoft.com/office/drawing/2014/main" id="{7141029A-31BA-E840-3AF6-2FBCCE794C01}"/>
+              </a:ext>
+            </a:extLst>
+          </p:cNvPr>
+          <p:cNvSpPr>
+            <a:spLocks noGrp="1"/>
+          </p:cNvSpPr>
+          <p:nvPr>
             <p:ph sz="half" idx="1"/>
           </p:nvPr>
         </p:nvSpPr>
@@ -5987,239 +6409,6 @@
 </p:sld>
 </file>
 
-<file path=ppt/slides/slide8.xml><?xml version="1.0" encoding="utf-8"?>
-<p:sld xmlns:a="http://schemas.openxmlformats.org/drawingml/2006/main" xmlns:r="http://schemas.openxmlformats.org/officeDocument/2006/relationships" xmlns:p="http://schemas.openxmlformats.org/presentationml/2006/main">
-  <p:cSld>
-    <p:spTree>
-      <p:nvGrpSpPr>
-        <p:cNvPr id="1" name=""/>
-        <p:cNvGrpSpPr/>
-        <p:nvPr/>
-      </p:nvGrpSpPr>
-      <p:grpSpPr>
-        <a:xfrm>
-          <a:off x="0" y="0"/>
-          <a:ext cx="0" cy="0"/>
-          <a:chOff x="0" y="0"/>
-          <a:chExt cx="0" cy="0"/>
-        </a:xfrm>
-      </p:grpSpPr>
-      <p:sp>
-        <p:nvSpPr>
-          <p:cNvPr id="2" name="标题 1">
-            <a:extLst>
-              <a:ext uri="{FF2B5EF4-FFF2-40B4-BE49-F238E27FC236}">
-                <a16:creationId xmlns:a16="http://schemas.microsoft.com/office/drawing/2014/main" id="{7584DA3B-86A6-98BA-8C21-72EEC54F3297}"/>
-              </a:ext>
-            </a:extLst>
-          </p:cNvPr>
-          <p:cNvSpPr>
-            <a:spLocks noGrp="1"/>
-          </p:cNvSpPr>
-          <p:nvPr>
-            <p:ph type="title"/>
-          </p:nvPr>
-        </p:nvSpPr>
-        <p:spPr/>
-        <p:txBody>
-          <a:bodyPr>
-            <a:normAutofit/>
-          </a:bodyPr>
-          <a:lstStyle/>
-          <a:p>
-            <a:r>
-              <a:rPr lang="zh-CN" altLang="en-US" sz="4800" b="1" dirty="0">
-                <a:latin typeface="黑体" panose="02010609060101010101" pitchFamily="49" charset="-122"/>
-                <a:ea typeface="黑体" panose="02010609060101010101" pitchFamily="49" charset="-122"/>
-              </a:rPr>
-              <a:t>实机演示</a:t>
-            </a:r>
-          </a:p>
-        </p:txBody>
-      </p:sp>
-      <p:sp>
-        <p:nvSpPr>
-          <p:cNvPr id="3" name="内容占位符 2">
-            <a:extLst>
-              <a:ext uri="{FF2B5EF4-FFF2-40B4-BE49-F238E27FC236}">
-                <a16:creationId xmlns:a16="http://schemas.microsoft.com/office/drawing/2014/main" id="{7141029A-31BA-E840-3AF6-2FBCCE794C01}"/>
-              </a:ext>
-            </a:extLst>
-          </p:cNvPr>
-          <p:cNvSpPr>
-            <a:spLocks noGrp="1"/>
-          </p:cNvSpPr>
-          <p:nvPr>
-            <p:ph idx="1"/>
-          </p:nvPr>
-        </p:nvSpPr>
-        <p:spPr/>
-        <p:txBody>
-          <a:bodyPr vert="horz" lIns="91440" tIns="45720" rIns="91440" bIns="45720" rtlCol="0">
-            <a:normAutofit/>
-          </a:bodyPr>
-          <a:lstStyle/>
-          <a:p>
-            <a:pPr marL="0" indent="0">
-              <a:lnSpc>
-                <a:spcPct val="114000"/>
-              </a:lnSpc>
-              <a:buNone/>
-            </a:pPr>
-            <a:r>
-              <a:rPr lang="zh-CN" altLang="en-US" sz="3200" dirty="0">
-                <a:latin typeface="宋体" panose="02010600030101010101" pitchFamily="2" charset="-122"/>
-                <a:ea typeface="宋体" panose="02010600030101010101" pitchFamily="2" charset="-122"/>
-              </a:rPr>
-              <a:t>代码展示与讲解：以按行分块为例。</a:t>
-            </a:r>
-            <a:endParaRPr lang="en-US" altLang="zh-CN" sz="3200" dirty="0">
-              <a:latin typeface="宋体" panose="02010600030101010101" pitchFamily="2" charset="-122"/>
-              <a:ea typeface="宋体" panose="02010600030101010101" pitchFamily="2" charset="-122"/>
-            </a:endParaRPr>
-          </a:p>
-          <a:p>
-            <a:pPr marL="0" indent="0">
-              <a:lnSpc>
-                <a:spcPct val="114000"/>
-              </a:lnSpc>
-              <a:buNone/>
-            </a:pPr>
-            <a:r>
-              <a:rPr lang="zh-CN" altLang="en-US" sz="3200" dirty="0">
-                <a:latin typeface="宋体" panose="02010600030101010101" pitchFamily="2" charset="-122"/>
-                <a:ea typeface="宋体" panose="02010600030101010101" pitchFamily="2" charset="-122"/>
-              </a:rPr>
-              <a:t>实机演示：</a:t>
-            </a:r>
-            <a:endParaRPr lang="en-US" altLang="zh-CN" sz="3200" dirty="0">
-              <a:latin typeface="宋体" panose="02010600030101010101" pitchFamily="2" charset="-122"/>
-              <a:ea typeface="宋体" panose="02010600030101010101" pitchFamily="2" charset="-122"/>
-            </a:endParaRPr>
-          </a:p>
-          <a:p>
-            <a:pPr marL="0" indent="0">
-              <a:lnSpc>
-                <a:spcPct val="114000"/>
-              </a:lnSpc>
-              <a:buNone/>
-            </a:pPr>
-            <a:r>
-              <a:rPr lang="en-US" altLang="zh-CN" sz="3200" dirty="0">
-                <a:latin typeface="宋体" panose="02010600030101010101" pitchFamily="2" charset="-122"/>
-                <a:ea typeface="宋体" panose="02010600030101010101" pitchFamily="2" charset="-122"/>
-              </a:rPr>
-              <a:t>1. </a:t>
-            </a:r>
-            <a:r>
-              <a:rPr lang="zh-CN" altLang="en-US" sz="3200" dirty="0">
-                <a:latin typeface="宋体" panose="02010600030101010101" pitchFamily="2" charset="-122"/>
-                <a:ea typeface="宋体" panose="02010600030101010101" pitchFamily="2" charset="-122"/>
-              </a:rPr>
-              <a:t>按行分块，对比串行与</a:t>
-            </a:r>
-            <a:r>
-              <a:rPr lang="en-US" altLang="zh-CN" sz="3200" dirty="0">
-                <a:latin typeface="宋体" panose="02010600030101010101" pitchFamily="2" charset="-122"/>
-                <a:ea typeface="宋体" panose="02010600030101010101" pitchFamily="2" charset="-122"/>
-              </a:rPr>
-              <a:t>2</a:t>
-            </a:r>
-            <a:r>
-              <a:rPr lang="zh-CN" altLang="en-US" sz="3200" dirty="0">
-                <a:latin typeface="宋体" panose="02010600030101010101" pitchFamily="2" charset="-122"/>
-                <a:ea typeface="宋体" panose="02010600030101010101" pitchFamily="2" charset="-122"/>
-              </a:rPr>
-              <a:t>、</a:t>
-            </a:r>
-            <a:r>
-              <a:rPr lang="en-US" altLang="zh-CN" sz="3200" dirty="0">
-                <a:latin typeface="宋体" panose="02010600030101010101" pitchFamily="2" charset="-122"/>
-                <a:ea typeface="宋体" panose="02010600030101010101" pitchFamily="2" charset="-122"/>
-              </a:rPr>
-              <a:t>4</a:t>
-            </a:r>
-            <a:r>
-              <a:rPr lang="zh-CN" altLang="en-US" sz="3200" dirty="0">
-                <a:latin typeface="宋体" panose="02010600030101010101" pitchFamily="2" charset="-122"/>
-                <a:ea typeface="宋体" panose="02010600030101010101" pitchFamily="2" charset="-122"/>
-              </a:rPr>
-              <a:t>、</a:t>
-            </a:r>
-            <a:r>
-              <a:rPr lang="en-US" altLang="zh-CN" sz="3200" dirty="0">
-                <a:latin typeface="宋体" panose="02010600030101010101" pitchFamily="2" charset="-122"/>
-                <a:ea typeface="宋体" panose="02010600030101010101" pitchFamily="2" charset="-122"/>
-              </a:rPr>
-              <a:t>6</a:t>
-            </a:r>
-            <a:r>
-              <a:rPr lang="zh-CN" altLang="en-US" sz="3200" dirty="0">
-                <a:latin typeface="宋体" panose="02010600030101010101" pitchFamily="2" charset="-122"/>
-                <a:ea typeface="宋体" panose="02010600030101010101" pitchFamily="2" charset="-122"/>
-              </a:rPr>
-              <a:t>、</a:t>
-            </a:r>
-            <a:r>
-              <a:rPr lang="en-US" altLang="zh-CN" sz="3200" dirty="0">
-                <a:latin typeface="宋体" panose="02010600030101010101" pitchFamily="2" charset="-122"/>
-                <a:ea typeface="宋体" panose="02010600030101010101" pitchFamily="2" charset="-122"/>
-              </a:rPr>
-              <a:t>8</a:t>
-            </a:r>
-            <a:r>
-              <a:rPr lang="zh-CN" altLang="en-US" sz="3200" dirty="0">
-                <a:latin typeface="宋体" panose="02010600030101010101" pitchFamily="2" charset="-122"/>
-                <a:ea typeface="宋体" panose="02010600030101010101" pitchFamily="2" charset="-122"/>
-              </a:rPr>
-              <a:t>线程的答案和效果。</a:t>
-            </a:r>
-            <a:endParaRPr lang="en-US" altLang="zh-CN" sz="3200" dirty="0">
-              <a:latin typeface="宋体" panose="02010600030101010101" pitchFamily="2" charset="-122"/>
-              <a:ea typeface="宋体" panose="02010600030101010101" pitchFamily="2" charset="-122"/>
-            </a:endParaRPr>
-          </a:p>
-          <a:p>
-            <a:pPr marL="0" indent="0">
-              <a:lnSpc>
-                <a:spcPct val="114000"/>
-              </a:lnSpc>
-              <a:buNone/>
-            </a:pPr>
-            <a:r>
-              <a:rPr lang="en-US" altLang="zh-CN" sz="3200" dirty="0">
-                <a:latin typeface="宋体" panose="02010600030101010101" pitchFamily="2" charset="-122"/>
-                <a:ea typeface="宋体" panose="02010600030101010101" pitchFamily="2" charset="-122"/>
-              </a:rPr>
-              <a:t>2. 9</a:t>
-            </a:r>
-            <a:r>
-              <a:rPr lang="zh-CN" altLang="en-US" sz="3200" dirty="0">
-                <a:latin typeface="宋体" panose="02010600030101010101" pitchFamily="2" charset="-122"/>
-                <a:ea typeface="宋体" panose="02010600030101010101" pitchFamily="2" charset="-122"/>
-              </a:rPr>
-              <a:t>线程，对比按行分块、按行列分块的答案和效果。</a:t>
-            </a:r>
-            <a:endParaRPr lang="en-US" altLang="zh-CN" sz="3200" dirty="0">
-              <a:latin typeface="宋体" panose="02010600030101010101" pitchFamily="2" charset="-122"/>
-              <a:ea typeface="宋体" panose="02010600030101010101" pitchFamily="2" charset="-122"/>
-            </a:endParaRPr>
-          </a:p>
-        </p:txBody>
-      </p:sp>
-    </p:spTree>
-    <p:extLst>
-      <p:ext uri="{BB962C8B-B14F-4D97-AF65-F5344CB8AC3E}">
-        <p14:creationId xmlns:p14="http://schemas.microsoft.com/office/powerpoint/2010/main" val="1493778494"/>
-      </p:ext>
-    </p:extLst>
-  </p:cSld>
-  <p:clrMapOvr>
-    <a:masterClrMapping/>
-  </p:clrMapOvr>
-</p:sld>
-</file>
-
 <file path=ppt/slides/slide9.xml><?xml version="1.0" encoding="utf-8"?>
 <p:sld xmlns:a="http://schemas.openxmlformats.org/drawingml/2006/main" xmlns:r="http://schemas.openxmlformats.org/officeDocument/2006/relationships" xmlns:p="http://schemas.openxmlformats.org/presentationml/2006/main">
   <p:cSld>
@@ -6242,15 +6431,15 @@
           <p:cNvPr id="2" name="标题 1">
             <a:extLst>
               <a:ext uri="{FF2B5EF4-FFF2-40B4-BE49-F238E27FC236}">
-                <a16:creationId xmlns:a16="http://schemas.microsoft.com/office/drawing/2014/main" id="{F1F804D9-F3BA-AD06-B2D7-68983CDE99CA}"/>
-              </a:ext>
-            </a:extLst>
-          </p:cNvPr>
-          <p:cNvSpPr>
-            <a:spLocks noGrp="1"/>
-          </p:cNvSpPr>
-          <p:nvPr>
-            <p:ph type="ctrTitle"/>
+                <a16:creationId xmlns:a16="http://schemas.microsoft.com/office/drawing/2014/main" id="{7584DA3B-86A6-98BA-8C21-72EEC54F3297}"/>
+              </a:ext>
+            </a:extLst>
+          </p:cNvPr>
+          <p:cNvSpPr>
+            <a:spLocks noGrp="1"/>
+          </p:cNvSpPr>
+          <p:nvPr>
+            <p:ph type="title"/>
           </p:nvPr>
         </p:nvSpPr>
         <p:spPr/>
@@ -6260,54 +6449,115 @@
           </a:bodyPr>
           <a:lstStyle/>
           <a:p>
-            <a:pPr>
-              <a:lnSpc>
-                <a:spcPct val="80000"/>
-              </a:lnSpc>
-            </a:pPr>
-            <a:r>
-              <a:rPr lang="zh-CN" altLang="en-US" sz="6600" b="1" dirty="0">
+            <a:r>
+              <a:rPr lang="zh-CN" altLang="en-US" sz="4800" b="1" dirty="0">
                 <a:latin typeface="黑体" panose="02010609060101010101" pitchFamily="49" charset="-122"/>
                 <a:ea typeface="黑体" panose="02010609060101010101" pitchFamily="49" charset="-122"/>
-                <a:cs typeface="Liberation Mono" panose="02070409020205020404" pitchFamily="49" charset="0"/>
-              </a:rPr>
-              <a:t>谢谢聆听</a:t>
-            </a:r>
-          </a:p>
-        </p:txBody>
-      </p:sp>
-      <p:sp>
-        <p:nvSpPr>
-          <p:cNvPr id="3" name="副标题 2">
-            <a:extLst>
-              <a:ext uri="{FF2B5EF4-FFF2-40B4-BE49-F238E27FC236}">
-                <a16:creationId xmlns:a16="http://schemas.microsoft.com/office/drawing/2014/main" id="{C81470A7-F122-EDA8-E169-A657DD2166B7}"/>
-              </a:ext>
-            </a:extLst>
-          </p:cNvPr>
-          <p:cNvSpPr>
-            <a:spLocks noGrp="1"/>
-          </p:cNvSpPr>
-          <p:nvPr>
-            <p:ph type="subTitle" idx="1"/>
+              </a:rPr>
+              <a:t>实机演示</a:t>
+            </a:r>
+          </a:p>
+        </p:txBody>
+      </p:sp>
+      <p:sp>
+        <p:nvSpPr>
+          <p:cNvPr id="3" name="内容占位符 2">
+            <a:extLst>
+              <a:ext uri="{FF2B5EF4-FFF2-40B4-BE49-F238E27FC236}">
+                <a16:creationId xmlns:a16="http://schemas.microsoft.com/office/drawing/2014/main" id="{7141029A-31BA-E840-3AF6-2FBCCE794C01}"/>
+              </a:ext>
+            </a:extLst>
+          </p:cNvPr>
+          <p:cNvSpPr>
+            <a:spLocks noGrp="1"/>
+          </p:cNvSpPr>
+          <p:nvPr>
+            <p:ph idx="1"/>
           </p:nvPr>
         </p:nvSpPr>
         <p:spPr/>
         <p:txBody>
-          <a:bodyPr>
+          <a:bodyPr vert="horz" lIns="91440" tIns="45720" rIns="91440" bIns="45720" rtlCol="0">
             <a:normAutofit/>
           </a:bodyPr>
           <a:lstStyle/>
           <a:p>
+            <a:pPr marL="0" indent="0">
+              <a:lnSpc>
+                <a:spcPct val="114000"/>
+              </a:lnSpc>
+              <a:buNone/>
+            </a:pPr>
+            <a:r>
+              <a:rPr lang="zh-CN" altLang="en-US" sz="3200" dirty="0">
+                <a:latin typeface="宋体" panose="02010600030101010101" pitchFamily="2" charset="-122"/>
+                <a:ea typeface="宋体" panose="02010600030101010101" pitchFamily="2" charset="-122"/>
+              </a:rPr>
+              <a:t>代码展示与讲解：以按行分块为例。</a:t>
+            </a:r>
+            <a:endParaRPr lang="en-US" altLang="zh-CN" sz="3200" dirty="0">
+              <a:latin typeface="宋体" panose="02010600030101010101" pitchFamily="2" charset="-122"/>
+              <a:ea typeface="宋体" panose="02010600030101010101" pitchFamily="2" charset="-122"/>
+            </a:endParaRPr>
+          </a:p>
+          <a:p>
+            <a:pPr marL="0" indent="0">
+              <a:lnSpc>
+                <a:spcPct val="114000"/>
+              </a:lnSpc>
+              <a:buNone/>
+            </a:pPr>
+            <a:r>
+              <a:rPr lang="zh-CN" altLang="en-US" sz="3200" dirty="0">
+                <a:latin typeface="宋体" panose="02010600030101010101" pitchFamily="2" charset="-122"/>
+                <a:ea typeface="宋体" panose="02010600030101010101" pitchFamily="2" charset="-122"/>
+              </a:rPr>
+              <a:t>实机演示：使用按行、按行列分块两种方法，对比串行与</a:t>
+            </a:r>
             <a:r>
               <a:rPr lang="en-US" altLang="zh-CN" sz="3200" dirty="0">
-                <a:latin typeface="Cambria Math" panose="02040503050406030204" pitchFamily="18" charset="0"/>
-                <a:ea typeface="宋体" panose="02010600030101010101" pitchFamily="2" charset="-122"/>
-              </a:rPr>
-              <a:t>2024-6-4</a:t>
-            </a:r>
-            <a:endParaRPr lang="zh-CN" altLang="en-US" sz="3200" dirty="0">
-              <a:latin typeface="Cambria Math" panose="02040503050406030204" pitchFamily="18" charset="0"/>
+                <a:latin typeface="宋体" panose="02010600030101010101" pitchFamily="2" charset="-122"/>
+                <a:ea typeface="宋体" panose="02010600030101010101" pitchFamily="2" charset="-122"/>
+              </a:rPr>
+              <a:t>4</a:t>
+            </a:r>
+            <a:r>
+              <a:rPr lang="zh-CN" altLang="en-US" sz="3200" dirty="0">
+                <a:latin typeface="宋体" panose="02010600030101010101" pitchFamily="2" charset="-122"/>
+                <a:ea typeface="宋体" panose="02010600030101010101" pitchFamily="2" charset="-122"/>
+              </a:rPr>
+              <a:t>、</a:t>
+            </a:r>
+            <a:r>
+              <a:rPr lang="en-US" altLang="zh-CN" sz="3200" dirty="0">
+                <a:latin typeface="宋体" panose="02010600030101010101" pitchFamily="2" charset="-122"/>
+                <a:ea typeface="宋体" panose="02010600030101010101" pitchFamily="2" charset="-122"/>
+              </a:rPr>
+              <a:t>9</a:t>
+            </a:r>
+            <a:r>
+              <a:rPr lang="zh-CN" altLang="en-US" sz="3200" dirty="0">
+                <a:latin typeface="宋体" panose="02010600030101010101" pitchFamily="2" charset="-122"/>
+                <a:ea typeface="宋体" panose="02010600030101010101" pitchFamily="2" charset="-122"/>
+              </a:rPr>
+              <a:t>、</a:t>
+            </a:r>
+            <a:r>
+              <a:rPr lang="en-US" altLang="zh-CN" sz="3200" dirty="0">
+                <a:latin typeface="宋体" panose="02010600030101010101" pitchFamily="2" charset="-122"/>
+                <a:ea typeface="宋体" panose="02010600030101010101" pitchFamily="2" charset="-122"/>
+              </a:rPr>
+              <a:t>12</a:t>
+            </a:r>
+            <a:r>
+              <a:rPr lang="zh-CN" altLang="en-US" sz="3200" dirty="0">
+                <a:latin typeface="宋体" panose="02010600030101010101" pitchFamily="2" charset="-122"/>
+                <a:ea typeface="宋体" panose="02010600030101010101" pitchFamily="2" charset="-122"/>
+              </a:rPr>
+              <a:t>线程的答案和效果。</a:t>
+            </a:r>
+            <a:endParaRPr lang="en-US" altLang="zh-CN" sz="3200" dirty="0">
+              <a:latin typeface="宋体" panose="02010600030101010101" pitchFamily="2" charset="-122"/>
               <a:ea typeface="宋体" panose="02010600030101010101" pitchFamily="2" charset="-122"/>
             </a:endParaRPr>
           </a:p>
@@ -6316,7 +6566,7 @@
     </p:spTree>
     <p:extLst>
       <p:ext uri="{BB962C8B-B14F-4D97-AF65-F5344CB8AC3E}">
-        <p14:creationId xmlns:p14="http://schemas.microsoft.com/office/powerpoint/2010/main" val="788142843"/>
+        <p14:creationId xmlns:p14="http://schemas.microsoft.com/office/powerpoint/2010/main" val="1493778494"/>
       </p:ext>
     </p:extLst>
   </p:cSld>

--- a/Final/Floyd-Warshall算法.pptx
+++ b/Final/Floyd-Warshall算法.pptx
@@ -268,7 +268,7 @@
           <a:p>
             <a:fld id="{0A4BD458-E490-4600-8D8D-EE1754037292}" type="datetimeFigureOut">
               <a:rPr lang="zh-CN" altLang="en-US" smtClean="0"/>
-              <a:t>2024/5/28</a:t>
+              <a:t>2024/6/25</a:t>
             </a:fld>
             <a:endParaRPr lang="zh-CN" altLang="en-US"/>
           </a:p>
@@ -466,7 +466,7 @@
           <a:p>
             <a:fld id="{0A4BD458-E490-4600-8D8D-EE1754037292}" type="datetimeFigureOut">
               <a:rPr lang="zh-CN" altLang="en-US" smtClean="0"/>
-              <a:t>2024/5/28</a:t>
+              <a:t>2024/6/25</a:t>
             </a:fld>
             <a:endParaRPr lang="zh-CN" altLang="en-US"/>
           </a:p>
@@ -674,7 +674,7 @@
           <a:p>
             <a:fld id="{0A4BD458-E490-4600-8D8D-EE1754037292}" type="datetimeFigureOut">
               <a:rPr lang="zh-CN" altLang="en-US" smtClean="0"/>
-              <a:t>2024/5/28</a:t>
+              <a:t>2024/6/25</a:t>
             </a:fld>
             <a:endParaRPr lang="zh-CN" altLang="en-US"/>
           </a:p>
@@ -872,7 +872,7 @@
           <a:p>
             <a:fld id="{0A4BD458-E490-4600-8D8D-EE1754037292}" type="datetimeFigureOut">
               <a:rPr lang="zh-CN" altLang="en-US" smtClean="0"/>
-              <a:t>2024/5/28</a:t>
+              <a:t>2024/6/25</a:t>
             </a:fld>
             <a:endParaRPr lang="zh-CN" altLang="en-US"/>
           </a:p>
@@ -1147,7 +1147,7 @@
           <a:p>
             <a:fld id="{0A4BD458-E490-4600-8D8D-EE1754037292}" type="datetimeFigureOut">
               <a:rPr lang="zh-CN" altLang="en-US" smtClean="0"/>
-              <a:t>2024/5/28</a:t>
+              <a:t>2024/6/25</a:t>
             </a:fld>
             <a:endParaRPr lang="zh-CN" altLang="en-US"/>
           </a:p>
@@ -1412,7 +1412,7 @@
           <a:p>
             <a:fld id="{0A4BD458-E490-4600-8D8D-EE1754037292}" type="datetimeFigureOut">
               <a:rPr lang="zh-CN" altLang="en-US" smtClean="0"/>
-              <a:t>2024/5/28</a:t>
+              <a:t>2024/6/25</a:t>
             </a:fld>
             <a:endParaRPr lang="zh-CN" altLang="en-US"/>
           </a:p>
@@ -1824,7 +1824,7 @@
           <a:p>
             <a:fld id="{0A4BD458-E490-4600-8D8D-EE1754037292}" type="datetimeFigureOut">
               <a:rPr lang="zh-CN" altLang="en-US" smtClean="0"/>
-              <a:t>2024/5/28</a:t>
+              <a:t>2024/6/25</a:t>
             </a:fld>
             <a:endParaRPr lang="zh-CN" altLang="en-US"/>
           </a:p>
@@ -1965,7 +1965,7 @@
           <a:p>
             <a:fld id="{0A4BD458-E490-4600-8D8D-EE1754037292}" type="datetimeFigureOut">
               <a:rPr lang="zh-CN" altLang="en-US" smtClean="0"/>
-              <a:t>2024/5/28</a:t>
+              <a:t>2024/6/25</a:t>
             </a:fld>
             <a:endParaRPr lang="zh-CN" altLang="en-US"/>
           </a:p>
@@ -2078,7 +2078,7 @@
           <a:p>
             <a:fld id="{0A4BD458-E490-4600-8D8D-EE1754037292}" type="datetimeFigureOut">
               <a:rPr lang="zh-CN" altLang="en-US" smtClean="0"/>
-              <a:t>2024/5/28</a:t>
+              <a:t>2024/6/25</a:t>
             </a:fld>
             <a:endParaRPr lang="zh-CN" altLang="en-US"/>
           </a:p>
@@ -2389,7 +2389,7 @@
           <a:p>
             <a:fld id="{0A4BD458-E490-4600-8D8D-EE1754037292}" type="datetimeFigureOut">
               <a:rPr lang="zh-CN" altLang="en-US" smtClean="0"/>
-              <a:t>2024/5/28</a:t>
+              <a:t>2024/6/25</a:t>
             </a:fld>
             <a:endParaRPr lang="zh-CN" altLang="en-US"/>
           </a:p>
@@ -2677,7 +2677,7 @@
           <a:p>
             <a:fld id="{0A4BD458-E490-4600-8D8D-EE1754037292}" type="datetimeFigureOut">
               <a:rPr lang="zh-CN" altLang="en-US" smtClean="0"/>
-              <a:t>2024/5/28</a:t>
+              <a:t>2024/6/25</a:t>
             </a:fld>
             <a:endParaRPr lang="zh-CN" altLang="en-US"/>
           </a:p>
@@ -2954,7 +2954,7 @@
           <a:p>
             <a:fld id="{0A4BD458-E490-4600-8D8D-EE1754037292}" type="datetimeFigureOut">
               <a:rPr lang="zh-CN" altLang="en-US" smtClean="0"/>
-              <a:t>2024/5/28</a:t>
+              <a:t>2024/6/25</a:t>
             </a:fld>
             <a:endParaRPr lang="zh-CN" altLang="en-US"/>
           </a:p>
@@ -3684,7 +3684,7 @@
           </a:bodyPr>
           <a:lstStyle/>
           <a:p>
-            <a:pPr marL="0" indent="0" algn="just">
+            <a:pPr marL="0" indent="0">
               <a:lnSpc>
                 <a:spcPct val="114000"/>
               </a:lnSpc>
@@ -3697,188 +3697,188 @@
               <a:buNone/>
             </a:pPr>
             <a:r>
-              <a:rPr lang="zh-CN" altLang="en-US" sz="3200" dirty="0">
+              <a:rPr lang="zh-CN" altLang="en-US" sz="3000" dirty="0">
                 <a:latin typeface="宋体" panose="02010600030101010101" pitchFamily="2" charset="-122"/>
                 <a:ea typeface="宋体" panose="02010600030101010101" pitchFamily="2" charset="-122"/>
               </a:rPr>
               <a:t>    </a:t>
             </a:r>
             <a:r>
-              <a:rPr lang="zh-CN" altLang="en-US" sz="3200" dirty="0">
+              <a:rPr lang="zh-CN" altLang="en-US" sz="3000" dirty="0">
                 <a:latin typeface="Cambria Math" panose="02040503050406030204" pitchFamily="18" charset="0"/>
                 <a:ea typeface="宋体" panose="02010600030101010101" pitchFamily="2" charset="-122"/>
               </a:rPr>
               <a:t>设有编号为 </a:t>
             </a:r>
             <a:r>
-              <a:rPr lang="en-US" altLang="zh-CN" sz="3200" dirty="0">
+              <a:rPr lang="en-US" altLang="zh-CN" sz="3000" dirty="0">
                 <a:latin typeface="Cambria Math" panose="02040503050406030204" pitchFamily="18" charset="0"/>
                 <a:ea typeface="宋体" panose="02010600030101010101" pitchFamily="2" charset="-122"/>
               </a:rPr>
               <a:t>0,1,2,…,n-1 </a:t>
             </a:r>
             <a:r>
-              <a:rPr lang="zh-CN" altLang="en-US" sz="3200" dirty="0">
+              <a:rPr lang="zh-CN" altLang="en-US" sz="3000" dirty="0">
                 <a:latin typeface="Cambria Math" panose="02040503050406030204" pitchFamily="18" charset="0"/>
                 <a:ea typeface="宋体" panose="02010600030101010101" pitchFamily="2" charset="-122"/>
               </a:rPr>
               <a:t>的</a:t>
             </a:r>
             <a:r>
-              <a:rPr lang="en-US" altLang="zh-CN" sz="3200" dirty="0">
+              <a:rPr lang="en-US" altLang="zh-CN" sz="3000" dirty="0">
                 <a:latin typeface="Cambria Math" panose="02040503050406030204" pitchFamily="18" charset="0"/>
                 <a:ea typeface="宋体" panose="02010600030101010101" pitchFamily="2" charset="-122"/>
               </a:rPr>
               <a:t>n </a:t>
             </a:r>
             <a:r>
-              <a:rPr lang="zh-CN" altLang="en-US" sz="3200" dirty="0">
+              <a:rPr lang="zh-CN" altLang="en-US" sz="3000" dirty="0">
                 <a:latin typeface="Cambria Math" panose="02040503050406030204" pitchFamily="18" charset="0"/>
                 <a:ea typeface="宋体" panose="02010600030101010101" pitchFamily="2" charset="-122"/>
               </a:rPr>
               <a:t>个地点。已知矩阵 </a:t>
             </a:r>
             <a:r>
-              <a:rPr lang="en-US" altLang="zh-CN" sz="3200" dirty="0">
+              <a:rPr lang="en-US" altLang="zh-CN" sz="3000" dirty="0">
                 <a:latin typeface="Cambria Math" panose="02040503050406030204" pitchFamily="18" charset="0"/>
                 <a:ea typeface="宋体" panose="02010600030101010101" pitchFamily="2" charset="-122"/>
               </a:rPr>
               <a:t>A=(a[i][j]) (0</a:t>
             </a:r>
             <a:r>
-              <a:rPr lang="zh-CN" altLang="en-US" sz="3200" dirty="0">
+              <a:rPr lang="zh-CN" altLang="en-US" sz="3000" dirty="0">
                 <a:latin typeface="Cambria Math" panose="02040503050406030204" pitchFamily="18" charset="0"/>
                 <a:ea typeface="宋体" panose="02010600030101010101" pitchFamily="2" charset="-122"/>
               </a:rPr>
               <a:t>≤ </a:t>
             </a:r>
             <a:r>
-              <a:rPr lang="en-US" altLang="zh-CN" sz="3200" dirty="0">
+              <a:rPr lang="en-US" altLang="zh-CN" sz="3000" dirty="0">
                 <a:latin typeface="Cambria Math" panose="02040503050406030204" pitchFamily="18" charset="0"/>
                 <a:ea typeface="宋体" panose="02010600030101010101" pitchFamily="2" charset="-122"/>
               </a:rPr>
               <a:t>i , j </a:t>
             </a:r>
             <a:r>
-              <a:rPr lang="zh-CN" altLang="en-US" sz="3200" dirty="0">
+              <a:rPr lang="zh-CN" altLang="en-US" sz="3000" dirty="0">
                 <a:latin typeface="Cambria Math" panose="02040503050406030204" pitchFamily="18" charset="0"/>
                 <a:ea typeface="宋体" panose="02010600030101010101" pitchFamily="2" charset="-122"/>
               </a:rPr>
               <a:t>＜</a:t>
             </a:r>
             <a:r>
-              <a:rPr lang="en-US" altLang="zh-CN" sz="3200" dirty="0">
+              <a:rPr lang="en-US" altLang="zh-CN" sz="3000" dirty="0">
                 <a:latin typeface="Cambria Math" panose="02040503050406030204" pitchFamily="18" charset="0"/>
                 <a:ea typeface="宋体" panose="02010600030101010101" pitchFamily="2" charset="-122"/>
               </a:rPr>
               <a:t>n)</a:t>
             </a:r>
             <a:r>
-              <a:rPr lang="zh-CN" altLang="en-US" sz="3200" dirty="0">
+              <a:rPr lang="zh-CN" altLang="en-US" sz="3000" dirty="0">
                 <a:latin typeface="Cambria Math" panose="02040503050406030204" pitchFamily="18" charset="0"/>
                 <a:ea typeface="宋体" panose="02010600030101010101" pitchFamily="2" charset="-122"/>
               </a:rPr>
               <a:t>，</a:t>
             </a:r>
             <a:r>
-              <a:rPr lang="en-US" altLang="zh-CN" sz="3200" dirty="0">
+              <a:rPr lang="en-US" altLang="zh-CN" sz="3000" dirty="0">
                 <a:latin typeface="Cambria Math" panose="02040503050406030204" pitchFamily="18" charset="0"/>
                 <a:ea typeface="宋体" panose="02010600030101010101" pitchFamily="2" charset="-122"/>
               </a:rPr>
               <a:t>a[i][j] </a:t>
             </a:r>
             <a:r>
-              <a:rPr lang="zh-CN" altLang="en-US" sz="3200" dirty="0">
+              <a:rPr lang="zh-CN" altLang="en-US" sz="3000" dirty="0">
                 <a:latin typeface="Cambria Math" panose="02040503050406030204" pitchFamily="18" charset="0"/>
                 <a:ea typeface="宋体" panose="02010600030101010101" pitchFamily="2" charset="-122"/>
               </a:rPr>
               <a:t>表示从 </a:t>
             </a:r>
             <a:r>
-              <a:rPr lang="en-US" altLang="zh-CN" sz="3200" dirty="0">
+              <a:rPr lang="en-US" altLang="zh-CN" sz="3000" dirty="0">
                 <a:latin typeface="Cambria Math" panose="02040503050406030204" pitchFamily="18" charset="0"/>
                 <a:ea typeface="宋体" panose="02010600030101010101" pitchFamily="2" charset="-122"/>
               </a:rPr>
               <a:t>i </a:t>
             </a:r>
             <a:r>
-              <a:rPr lang="zh-CN" altLang="en-US" sz="3200" dirty="0">
+              <a:rPr lang="zh-CN" altLang="en-US" sz="3000" dirty="0">
                 <a:latin typeface="Cambria Math" panose="02040503050406030204" pitchFamily="18" charset="0"/>
                 <a:ea typeface="宋体" panose="02010600030101010101" pitchFamily="2" charset="-122"/>
               </a:rPr>
               <a:t>地直接走到 </a:t>
             </a:r>
             <a:r>
-              <a:rPr lang="en-US" altLang="zh-CN" sz="3200" dirty="0">
+              <a:rPr lang="en-US" altLang="zh-CN" sz="3000" dirty="0">
                 <a:latin typeface="Cambria Math" panose="02040503050406030204" pitchFamily="18" charset="0"/>
                 <a:ea typeface="宋体" panose="02010600030101010101" pitchFamily="2" charset="-122"/>
               </a:rPr>
               <a:t>j </a:t>
             </a:r>
             <a:r>
-              <a:rPr lang="zh-CN" altLang="en-US" sz="3200" dirty="0">
+              <a:rPr lang="zh-CN" altLang="en-US" sz="3000" dirty="0">
                 <a:latin typeface="Cambria Math" panose="02040503050406030204" pitchFamily="18" charset="0"/>
                 <a:ea typeface="宋体" panose="02010600030101010101" pitchFamily="2" charset="-122"/>
               </a:rPr>
               <a:t>地所需的时间。试求出矩阵 </a:t>
             </a:r>
             <a:r>
-              <a:rPr lang="en-US" altLang="zh-CN" sz="3200" dirty="0">
+              <a:rPr lang="en-US" altLang="zh-CN" sz="3000" dirty="0">
                 <a:latin typeface="Cambria Math" panose="02040503050406030204" pitchFamily="18" charset="0"/>
                 <a:ea typeface="宋体" panose="02010600030101010101" pitchFamily="2" charset="-122"/>
               </a:rPr>
               <a:t>B=(b[i][j])</a:t>
             </a:r>
             <a:r>
-              <a:rPr lang="zh-CN" altLang="en-US" sz="3200" dirty="0">
+              <a:rPr lang="zh-CN" altLang="en-US" sz="3000" dirty="0">
                 <a:latin typeface="Cambria Math" panose="02040503050406030204" pitchFamily="18" charset="0"/>
                 <a:ea typeface="宋体" panose="02010600030101010101" pitchFamily="2" charset="-122"/>
               </a:rPr>
               <a:t>，</a:t>
             </a:r>
             <a:r>
-              <a:rPr lang="en-US" altLang="zh-CN" sz="3200" dirty="0">
+              <a:rPr lang="en-US" altLang="zh-CN" sz="3000" dirty="0">
                 <a:latin typeface="Cambria Math" panose="02040503050406030204" pitchFamily="18" charset="0"/>
                 <a:ea typeface="宋体" panose="02010600030101010101" pitchFamily="2" charset="-122"/>
               </a:rPr>
               <a:t>b[i][j] </a:t>
             </a:r>
             <a:r>
-              <a:rPr lang="zh-CN" altLang="en-US" sz="3200" dirty="0">
+              <a:rPr lang="zh-CN" altLang="en-US" sz="3000" dirty="0">
                 <a:latin typeface="Cambria Math" panose="02040503050406030204" pitchFamily="18" charset="0"/>
                 <a:ea typeface="宋体" panose="02010600030101010101" pitchFamily="2" charset="-122"/>
               </a:rPr>
               <a:t>表示从 </a:t>
             </a:r>
             <a:r>
-              <a:rPr lang="en-US" altLang="zh-CN" sz="3200" dirty="0">
+              <a:rPr lang="en-US" altLang="zh-CN" sz="3000" dirty="0">
                 <a:latin typeface="Cambria Math" panose="02040503050406030204" pitchFamily="18" charset="0"/>
                 <a:ea typeface="宋体" panose="02010600030101010101" pitchFamily="2" charset="-122"/>
               </a:rPr>
               <a:t>i </a:t>
             </a:r>
             <a:r>
-              <a:rPr lang="zh-CN" altLang="en-US" sz="3200" dirty="0">
+              <a:rPr lang="zh-CN" altLang="en-US" sz="3000" dirty="0">
                 <a:latin typeface="Cambria Math" panose="02040503050406030204" pitchFamily="18" charset="0"/>
                 <a:ea typeface="宋体" panose="02010600030101010101" pitchFamily="2" charset="-122"/>
               </a:rPr>
               <a:t>地（可经由其它地点）走到 </a:t>
             </a:r>
             <a:r>
-              <a:rPr lang="en-US" altLang="zh-CN" sz="3200" dirty="0">
+              <a:rPr lang="en-US" altLang="zh-CN" sz="3000" dirty="0">
                 <a:latin typeface="Cambria Math" panose="02040503050406030204" pitchFamily="18" charset="0"/>
                 <a:ea typeface="宋体" panose="02010600030101010101" pitchFamily="2" charset="-122"/>
               </a:rPr>
               <a:t>j </a:t>
             </a:r>
             <a:r>
-              <a:rPr lang="zh-CN" altLang="en-US" sz="3200" dirty="0">
+              <a:rPr lang="zh-CN" altLang="en-US" sz="3000" dirty="0">
                 <a:latin typeface="Cambria Math" panose="02040503050406030204" pitchFamily="18" charset="0"/>
                 <a:ea typeface="宋体" panose="02010600030101010101" pitchFamily="2" charset="-122"/>
               </a:rPr>
               <a:t>地所需的最少时间。</a:t>
             </a:r>
-            <a:endParaRPr lang="en-US" altLang="zh-CN" sz="3200" dirty="0">
+            <a:endParaRPr lang="en-US" altLang="zh-CN" sz="3000" dirty="0">
               <a:latin typeface="Cambria Math" panose="02040503050406030204" pitchFamily="18" charset="0"/>
               <a:ea typeface="宋体" panose="02010600030101010101" pitchFamily="2" charset="-122"/>
             </a:endParaRPr>
@@ -3988,83 +3988,83 @@
               <a:buNone/>
             </a:pPr>
             <a:r>
-              <a:rPr lang="zh-CN" altLang="en-US" sz="3200" dirty="0">
+              <a:rPr lang="zh-CN" altLang="en-US" sz="3000" dirty="0">
                 <a:latin typeface="宋体" panose="02010600030101010101" pitchFamily="2" charset="-122"/>
                 <a:ea typeface="宋体" panose="02010600030101010101" pitchFamily="2" charset="-122"/>
               </a:rPr>
               <a:t>    </a:t>
             </a:r>
             <a:r>
-              <a:rPr lang="zh-CN" altLang="en-US" sz="3200" b="1" dirty="0">
+              <a:rPr lang="zh-CN" altLang="en-US" sz="3000" b="1" dirty="0">
                 <a:latin typeface="Cambria Math" panose="02040503050406030204" pitchFamily="18" charset="0"/>
                 <a:ea typeface="宋体" panose="02010600030101010101" pitchFamily="2" charset="-122"/>
               </a:rPr>
               <a:t>动态规划</a:t>
             </a:r>
             <a:r>
-              <a:rPr lang="zh-CN" altLang="en-US" sz="3200" dirty="0">
+              <a:rPr lang="zh-CN" altLang="en-US" sz="3000" dirty="0">
                 <a:latin typeface="Cambria Math" panose="02040503050406030204" pitchFamily="18" charset="0"/>
                 <a:ea typeface="宋体" panose="02010600030101010101" pitchFamily="2" charset="-122"/>
               </a:rPr>
               <a:t>：设 </a:t>
             </a:r>
             <a:r>
-              <a:rPr lang="en-US" altLang="zh-CN" sz="3200" dirty="0">
+              <a:rPr lang="en-US" altLang="zh-CN" sz="3000" dirty="0">
                 <a:latin typeface="Cambria Math" panose="02040503050406030204" pitchFamily="18" charset="0"/>
                 <a:ea typeface="宋体" panose="02010600030101010101" pitchFamily="2" charset="-122"/>
               </a:rPr>
               <a:t>D[k][i][j] </a:t>
             </a:r>
             <a:r>
-              <a:rPr lang="zh-CN" altLang="en-US" sz="3200" dirty="0">
+              <a:rPr lang="zh-CN" altLang="en-US" sz="3000" dirty="0">
                 <a:latin typeface="Cambria Math" panose="02040503050406030204" pitchFamily="18" charset="0"/>
                 <a:ea typeface="宋体" panose="02010600030101010101" pitchFamily="2" charset="-122"/>
               </a:rPr>
               <a:t>表示只允许经过 </a:t>
             </a:r>
             <a:r>
-              <a:rPr lang="en-US" altLang="zh-CN" sz="3200" dirty="0">
+              <a:rPr lang="en-US" altLang="zh-CN" sz="3000" dirty="0">
                 <a:latin typeface="Cambria Math" panose="02040503050406030204" pitchFamily="18" charset="0"/>
                 <a:ea typeface="宋体" panose="02010600030101010101" pitchFamily="2" charset="-122"/>
               </a:rPr>
               <a:t>0,1,…,k-1 </a:t>
             </a:r>
             <a:r>
-              <a:rPr lang="zh-CN" altLang="en-US" sz="3200" dirty="0">
+              <a:rPr lang="zh-CN" altLang="en-US" sz="3000" dirty="0">
                 <a:latin typeface="Cambria Math" panose="02040503050406030204" pitchFamily="18" charset="0"/>
                 <a:ea typeface="宋体" panose="02010600030101010101" pitchFamily="2" charset="-122"/>
               </a:rPr>
               <a:t>号地点时，从 </a:t>
             </a:r>
             <a:r>
-              <a:rPr lang="en-US" altLang="zh-CN" sz="3200" dirty="0">
+              <a:rPr lang="en-US" altLang="zh-CN" sz="3000" dirty="0">
                 <a:latin typeface="Cambria Math" panose="02040503050406030204" pitchFamily="18" charset="0"/>
                 <a:ea typeface="宋体" panose="02010600030101010101" pitchFamily="2" charset="-122"/>
               </a:rPr>
               <a:t>i </a:t>
             </a:r>
             <a:r>
-              <a:rPr lang="zh-CN" altLang="en-US" sz="3200" dirty="0">
+              <a:rPr lang="zh-CN" altLang="en-US" sz="3000" dirty="0">
                 <a:latin typeface="Cambria Math" panose="02040503050406030204" pitchFamily="18" charset="0"/>
                 <a:ea typeface="宋体" panose="02010600030101010101" pitchFamily="2" charset="-122"/>
               </a:rPr>
               <a:t>地到 </a:t>
             </a:r>
             <a:r>
-              <a:rPr lang="en-US" altLang="zh-CN" sz="3200" dirty="0">
+              <a:rPr lang="en-US" altLang="zh-CN" sz="3000" dirty="0">
                 <a:latin typeface="Cambria Math" panose="02040503050406030204" pitchFamily="18" charset="0"/>
                 <a:ea typeface="宋体" panose="02010600030101010101" pitchFamily="2" charset="-122"/>
               </a:rPr>
               <a:t>j </a:t>
             </a:r>
             <a:r>
-              <a:rPr lang="zh-CN" altLang="en-US" sz="3200" dirty="0">
+              <a:rPr lang="zh-CN" altLang="en-US" sz="3000" dirty="0">
                 <a:latin typeface="Cambria Math" panose="02040503050406030204" pitchFamily="18" charset="0"/>
                 <a:ea typeface="宋体" panose="02010600030101010101" pitchFamily="2" charset="-122"/>
               </a:rPr>
               <a:t>地的最少时间。状态转移方程为：</a:t>
             </a:r>
-            <a:endParaRPr lang="en-US" altLang="zh-CN" sz="3200" dirty="0">
+            <a:endParaRPr lang="en-US" altLang="zh-CN" sz="3000" dirty="0">
               <a:latin typeface="Cambria Math" panose="02040503050406030204" pitchFamily="18" charset="0"/>
               <a:ea typeface="宋体" panose="02010600030101010101" pitchFamily="2" charset="-122"/>
             </a:endParaRPr>
@@ -4080,83 +4080,76 @@
               <a:buNone/>
             </a:pPr>
             <a:r>
-              <a:rPr lang="en-US" altLang="zh-CN" sz="3000" b="1" dirty="0">
+              <a:rPr lang="en-US" altLang="zh-CN" sz="3000" dirty="0">
                 <a:latin typeface="Cambria Math" panose="02040503050406030204" pitchFamily="18" charset="0"/>
                 <a:ea typeface="宋体" panose="02010600030101010101" pitchFamily="2" charset="-122"/>
               </a:rPr>
               <a:t>· </a:t>
             </a:r>
             <a:r>
-              <a:rPr lang="zh-CN" altLang="en-US" sz="3000" b="1" dirty="0">
+              <a:rPr lang="zh-CN" altLang="en-US" sz="3000" dirty="0">
                 <a:latin typeface="Cambria Math" panose="02040503050406030204" pitchFamily="18" charset="0"/>
                 <a:ea typeface="宋体" panose="02010600030101010101" pitchFamily="2" charset="-122"/>
               </a:rPr>
               <a:t>若 </a:t>
             </a:r>
             <a:r>
-              <a:rPr lang="en-US" altLang="zh-CN" sz="3000" b="1" dirty="0">
+              <a:rPr lang="en-US" altLang="zh-CN" sz="3000" dirty="0">
                 <a:latin typeface="Cambria Math" panose="02040503050406030204" pitchFamily="18" charset="0"/>
                 <a:ea typeface="宋体" panose="02010600030101010101" pitchFamily="2" charset="-122"/>
               </a:rPr>
               <a:t>i=k </a:t>
             </a:r>
             <a:r>
-              <a:rPr lang="zh-CN" altLang="en-US" sz="3000" b="1" dirty="0">
+              <a:rPr lang="zh-CN" altLang="en-US" sz="3000" dirty="0">
                 <a:latin typeface="Cambria Math" panose="02040503050406030204" pitchFamily="18" charset="0"/>
                 <a:ea typeface="宋体" panose="02010600030101010101" pitchFamily="2" charset="-122"/>
               </a:rPr>
               <a:t>或 </a:t>
             </a:r>
             <a:r>
-              <a:rPr lang="en-US" altLang="zh-CN" sz="3000" b="1" dirty="0">
+              <a:rPr lang="en-US" altLang="zh-CN" sz="3000" dirty="0">
                 <a:latin typeface="Cambria Math" panose="02040503050406030204" pitchFamily="18" charset="0"/>
                 <a:ea typeface="宋体" panose="02010600030101010101" pitchFamily="2" charset="-122"/>
               </a:rPr>
               <a:t>j</a:t>
             </a:r>
             <a:r>
-              <a:rPr lang="zh-CN" altLang="en-US" sz="3000" b="1" dirty="0">
+              <a:rPr lang="zh-CN" altLang="en-US" sz="3000" dirty="0">
                 <a:latin typeface="Cambria Math" panose="02040503050406030204" pitchFamily="18" charset="0"/>
                 <a:ea typeface="宋体" panose="02010600030101010101" pitchFamily="2" charset="-122"/>
               </a:rPr>
               <a:t>＝</a:t>
             </a:r>
             <a:r>
-              <a:rPr lang="en-US" altLang="zh-CN" sz="3000" b="1" dirty="0">
+              <a:rPr lang="en-US" altLang="zh-CN" sz="3000" dirty="0">
                 <a:latin typeface="Cambria Math" panose="02040503050406030204" pitchFamily="18" charset="0"/>
                 <a:ea typeface="宋体" panose="02010600030101010101" pitchFamily="2" charset="-122"/>
               </a:rPr>
               <a:t>k</a:t>
             </a:r>
             <a:r>
-              <a:rPr lang="zh-CN" altLang="en-US" sz="3000" b="1" dirty="0">
+              <a:rPr lang="zh-CN" altLang="en-US" sz="3000" dirty="0">
                 <a:latin typeface="Cambria Math" panose="02040503050406030204" pitchFamily="18" charset="0"/>
                 <a:ea typeface="宋体" panose="02010600030101010101" pitchFamily="2" charset="-122"/>
               </a:rPr>
               <a:t> </a:t>
             </a:r>
             <a:r>
-              <a:rPr lang="en-US" altLang="zh-CN" sz="3000" b="1" dirty="0">
-                <a:latin typeface="Cambria Math" panose="02040503050406030204" pitchFamily="18" charset="0"/>
-                <a:ea typeface="宋体" panose="02010600030101010101" pitchFamily="2" charset="-122"/>
-              </a:rPr>
-              <a:t>  </a:t>
-            </a:r>
-            <a:r>
-              <a:rPr lang="en-US" altLang="zh-CN" sz="3200" dirty="0">
-                <a:latin typeface="Cambria Math" panose="02040503050406030204" pitchFamily="18" charset="0"/>
-                <a:ea typeface="宋体" panose="02010600030101010101" pitchFamily="2" charset="-122"/>
-              </a:rPr>
-              <a:t>D[k+1][i][j] =D[k][i][j] </a:t>
-            </a:r>
-            <a:r>
-              <a:rPr lang="zh-CN" altLang="en-US" sz="3200" b="1" dirty="0">
+              <a:rPr lang="en-US" altLang="zh-CN" sz="3000" dirty="0">
+                <a:latin typeface="Cambria Math" panose="02040503050406030204" pitchFamily="18" charset="0"/>
+                <a:ea typeface="宋体" panose="02010600030101010101" pitchFamily="2" charset="-122"/>
+              </a:rPr>
+              <a:t>  D[k+1][i][j] =D[k][i][j] </a:t>
+            </a:r>
+            <a:r>
+              <a:rPr lang="zh-CN" altLang="en-US" sz="3000" dirty="0">
                 <a:latin typeface="Cambria Math" panose="02040503050406030204" pitchFamily="18" charset="0"/>
                 <a:ea typeface="宋体" panose="02010600030101010101" pitchFamily="2" charset="-122"/>
               </a:rPr>
               <a:t>①</a:t>
             </a:r>
-            <a:endParaRPr lang="en-US" altLang="zh-CN" sz="3200" b="1" dirty="0">
+            <a:endParaRPr lang="en-US" altLang="zh-CN" sz="3000" dirty="0">
               <a:latin typeface="宋体" panose="02010600030101010101" pitchFamily="2" charset="-122"/>
               <a:ea typeface="宋体" panose="02010600030101010101" pitchFamily="2" charset="-122"/>
             </a:endParaRPr>
@@ -4172,21 +4165,21 @@
               <a:buNone/>
             </a:pPr>
             <a:r>
-              <a:rPr lang="en-US" altLang="zh-CN" sz="3000" b="1" dirty="0">
+              <a:rPr lang="en-US" altLang="zh-CN" sz="3000" dirty="0">
                 <a:latin typeface="Cambria Math" panose="02040503050406030204" pitchFamily="18" charset="0"/>
                 <a:ea typeface="宋体" panose="02010600030101010101" pitchFamily="2" charset="-122"/>
               </a:rPr>
               <a:t>· </a:t>
             </a:r>
             <a:r>
-              <a:rPr lang="zh-CN" altLang="en-US" sz="3000" b="1" dirty="0">
+              <a:rPr lang="zh-CN" altLang="en-US" sz="3000" dirty="0">
                 <a:latin typeface="Cambria Math" panose="02040503050406030204" pitchFamily="18" charset="0"/>
                 <a:ea typeface="宋体" panose="02010600030101010101" pitchFamily="2" charset="-122"/>
               </a:rPr>
               <a:t>否则  </a:t>
             </a:r>
             <a:r>
-              <a:rPr lang="en-US" altLang="zh-CN" sz="3200" dirty="0">
+              <a:rPr lang="en-US" altLang="zh-CN" sz="3000" dirty="0">
                 <a:latin typeface="Cambria Math" panose="02040503050406030204" pitchFamily="18" charset="0"/>
                 <a:ea typeface="宋体" panose="02010600030101010101" pitchFamily="2" charset="-122"/>
               </a:rPr>
@@ -4204,21 +4197,21 @@
               <a:buNone/>
             </a:pPr>
             <a:r>
-              <a:rPr lang="en-US" altLang="zh-CN" sz="3000" b="1" dirty="0">
+              <a:rPr lang="en-US" altLang="zh-CN" sz="3000" dirty="0">
                 <a:latin typeface="Cambria Math" panose="02040503050406030204" pitchFamily="18" charset="0"/>
                 <a:ea typeface="宋体" panose="02010600030101010101" pitchFamily="2" charset="-122"/>
               </a:rPr>
               <a:t>· </a:t>
             </a:r>
             <a:r>
-              <a:rPr lang="zh-CN" altLang="en-US" sz="3000" b="1" dirty="0">
+              <a:rPr lang="zh-CN" altLang="en-US" sz="3000" dirty="0">
                 <a:latin typeface="Cambria Math" panose="02040503050406030204" pitchFamily="18" charset="0"/>
                 <a:ea typeface="宋体" panose="02010600030101010101" pitchFamily="2" charset="-122"/>
               </a:rPr>
               <a:t>初值  </a:t>
             </a:r>
             <a:r>
-              <a:rPr lang="en-US" altLang="zh-CN" sz="3200" dirty="0">
+              <a:rPr lang="en-US" altLang="zh-CN" sz="3000" dirty="0">
                 <a:latin typeface="Cambria Math" panose="02040503050406030204" pitchFamily="18" charset="0"/>
                 <a:ea typeface="宋体" panose="02010600030101010101" pitchFamily="2" charset="-122"/>
               </a:rPr>
@@ -4236,83 +4229,83 @@
               <a:buNone/>
             </a:pPr>
             <a:r>
-              <a:rPr lang="zh-CN" altLang="en-US" sz="3200" dirty="0">
+              <a:rPr lang="zh-CN" altLang="en-US" sz="3000" dirty="0">
                 <a:latin typeface="宋体" panose="02010600030101010101" pitchFamily="2" charset="-122"/>
                 <a:ea typeface="宋体" panose="02010600030101010101" pitchFamily="2" charset="-122"/>
               </a:rPr>
               <a:t>    </a:t>
             </a:r>
             <a:r>
-              <a:rPr lang="zh-CN" altLang="en-US" sz="3200" dirty="0">
+              <a:rPr lang="zh-CN" altLang="en-US" sz="3000" dirty="0">
                 <a:latin typeface="Cambria Math" panose="02040503050406030204" pitchFamily="18" charset="0"/>
                 <a:ea typeface="宋体" panose="02010600030101010101" pitchFamily="2" charset="-122"/>
               </a:rPr>
               <a:t>通过 </a:t>
             </a:r>
             <a:r>
-              <a:rPr lang="en-US" altLang="zh-CN" sz="3200" dirty="0">
+              <a:rPr lang="en-US" altLang="zh-CN" sz="3000" dirty="0">
                 <a:latin typeface="Cambria Math" panose="02040503050406030204" pitchFamily="18" charset="0"/>
                 <a:ea typeface="宋体" panose="02010600030101010101" pitchFamily="2" charset="-122"/>
               </a:rPr>
               <a:t>k-i-j </a:t>
             </a:r>
             <a:r>
-              <a:rPr lang="zh-CN" altLang="en-US" sz="3200" dirty="0">
+              <a:rPr lang="zh-CN" altLang="en-US" sz="3000" dirty="0">
                 <a:latin typeface="Cambria Math" panose="02040503050406030204" pitchFamily="18" charset="0"/>
                 <a:ea typeface="宋体" panose="02010600030101010101" pitchFamily="2" charset="-122"/>
               </a:rPr>
               <a:t>三重循环即可实现，时间复杂度为 </a:t>
             </a:r>
             <a:r>
-              <a:rPr lang="en-US" altLang="zh-CN" sz="3200" dirty="0">
+              <a:rPr lang="en-US" altLang="zh-CN" sz="3000" dirty="0">
                 <a:latin typeface="Cambria Math" panose="02040503050406030204" pitchFamily="18" charset="0"/>
                 <a:ea typeface="宋体" panose="02010600030101010101" pitchFamily="2" charset="-122"/>
               </a:rPr>
               <a:t>O(n^3)</a:t>
             </a:r>
             <a:r>
-              <a:rPr lang="zh-CN" altLang="en-US" sz="3200" dirty="0">
+              <a:rPr lang="zh-CN" altLang="en-US" sz="3000" dirty="0">
                 <a:latin typeface="Cambria Math" panose="02040503050406030204" pitchFamily="18" charset="0"/>
                 <a:ea typeface="宋体" panose="02010600030101010101" pitchFamily="2" charset="-122"/>
               </a:rPr>
               <a:t>。由</a:t>
             </a:r>
             <a:r>
-              <a:rPr lang="zh-CN" altLang="en-US" sz="3200" b="1" dirty="0">
+              <a:rPr lang="zh-CN" altLang="en-US" sz="3000" b="1" dirty="0">
                 <a:latin typeface="Cambria Math" panose="02040503050406030204" pitchFamily="18" charset="0"/>
                 <a:ea typeface="宋体" panose="02010600030101010101" pitchFamily="2" charset="-122"/>
               </a:rPr>
               <a:t>①</a:t>
             </a:r>
             <a:r>
-              <a:rPr lang="zh-CN" altLang="en-US" sz="3200" dirty="0">
+              <a:rPr lang="zh-CN" altLang="en-US" sz="3000" dirty="0">
                 <a:latin typeface="宋体" panose="02010600030101010101" pitchFamily="2" charset="-122"/>
                 <a:ea typeface="宋体" panose="02010600030101010101" pitchFamily="2" charset="-122"/>
               </a:rPr>
               <a:t>知</a:t>
             </a:r>
             <a:r>
-              <a:rPr lang="zh-CN" altLang="en-US" sz="3200" dirty="0">
+              <a:rPr lang="zh-CN" altLang="en-US" sz="3000" dirty="0">
                 <a:latin typeface="Cambria Math" panose="02040503050406030204" pitchFamily="18" charset="0"/>
                 <a:ea typeface="宋体" panose="02010600030101010101" pitchFamily="2" charset="-122"/>
               </a:rPr>
               <a:t>可压缩存储，空间复杂度为</a:t>
             </a:r>
             <a:r>
-              <a:rPr lang="en-US" altLang="zh-CN" sz="3200" dirty="0">
+              <a:rPr lang="en-US" altLang="zh-CN" sz="3000" dirty="0">
                 <a:latin typeface="Cambria Math" panose="02040503050406030204" pitchFamily="18" charset="0"/>
                 <a:ea typeface="宋体" panose="02010600030101010101" pitchFamily="2" charset="-122"/>
               </a:rPr>
               <a:t>O(n^2)</a:t>
             </a:r>
             <a:r>
-              <a:rPr lang="zh-CN" altLang="en-US" sz="3200" dirty="0">
+              <a:rPr lang="zh-CN" altLang="en-US" sz="3000" dirty="0">
                 <a:latin typeface="Cambria Math" panose="02040503050406030204" pitchFamily="18" charset="0"/>
                 <a:ea typeface="宋体" panose="02010600030101010101" pitchFamily="2" charset="-122"/>
               </a:rPr>
               <a:t>。</a:t>
             </a:r>
-            <a:endParaRPr lang="en-US" altLang="zh-CN" sz="3200" dirty="0">
+            <a:endParaRPr lang="en-US" altLang="zh-CN" sz="3000" dirty="0">
               <a:latin typeface="Cambria Math" panose="02040503050406030204" pitchFamily="18" charset="0"/>
               <a:ea typeface="宋体" panose="02010600030101010101" pitchFamily="2" charset="-122"/>
             </a:endParaRPr>
@@ -5497,20 +5490,20 @@
               <a:buNone/>
             </a:pPr>
             <a:r>
-              <a:rPr lang="en-US" altLang="zh-CN" sz="3200" dirty="0">
-                <a:latin typeface="Cambria Math" panose="02040503050406030204" pitchFamily="18" charset="0"/>
-                <a:ea typeface="宋体" panose="02010600030101010101" pitchFamily="2" charset="-122"/>
-              </a:rPr>
-              <a:t>	</a:t>
-            </a:r>
-            <a:r>
-              <a:rPr lang="zh-CN" altLang="en-US" sz="3200" dirty="0">
+              <a:rPr lang="zh-CN" altLang="en-US" sz="3000" dirty="0">
+                <a:latin typeface="宋体" panose="02010600030101010101" pitchFamily="2" charset="-122"/>
+                <a:ea typeface="宋体" panose="02010600030101010101" pitchFamily="2" charset="-122"/>
+              </a:rPr>
+              <a:t>    </a:t>
+            </a:r>
+            <a:r>
+              <a:rPr lang="zh-CN" altLang="en-US" sz="3000" dirty="0">
                 <a:latin typeface="Cambria Math" panose="02040503050406030204" pitchFamily="18" charset="0"/>
                 <a:ea typeface="宋体" panose="02010600030101010101" pitchFamily="2" charset="-122"/>
               </a:rPr>
               <a:t>按行列分块的代码实现比按行分块复杂很多，优势何在？</a:t>
             </a:r>
-            <a:endParaRPr lang="en-US" altLang="zh-CN" sz="3200" dirty="0">
+            <a:endParaRPr lang="en-US" altLang="zh-CN" sz="3000" dirty="0">
               <a:latin typeface="Cambria Math" panose="02040503050406030204" pitchFamily="18" charset="0"/>
               <a:ea typeface="宋体" panose="02010600030101010101" pitchFamily="2" charset="-122"/>
             </a:endParaRPr>
@@ -5523,103 +5516,82 @@
               <a:buNone/>
             </a:pPr>
             <a:r>
-              <a:rPr lang="en-US" altLang="zh-CN" sz="3200" dirty="0">
-                <a:latin typeface="Cambria Math" panose="02040503050406030204" pitchFamily="18" charset="0"/>
-                <a:ea typeface="宋体" panose="02010600030101010101" pitchFamily="2" charset="-122"/>
-              </a:rPr>
-              <a:t>	</a:t>
-            </a:r>
-            <a:r>
-              <a:rPr lang="zh-CN" altLang="en-US" sz="3200" dirty="0">
-                <a:latin typeface="Cambria Math" panose="02040503050406030204" pitchFamily="18" charset="0"/>
-                <a:ea typeface="宋体" panose="02010600030101010101" pitchFamily="2" charset="-122"/>
-              </a:rPr>
-              <a:t>消息传递耗时（</a:t>
-            </a:r>
-            <a:r>
-              <a:rPr lang="en-US" altLang="zh-CN" sz="3200" dirty="0">
+              <a:rPr lang="zh-CN" altLang="en-US" sz="3000" dirty="0">
+                <a:latin typeface="Cambria Math" panose="02040503050406030204" pitchFamily="18" charset="0"/>
+                <a:ea typeface="宋体" panose="02010600030101010101" pitchFamily="2" charset="-122"/>
+              </a:rPr>
+              <a:t>消息传递时间复杂度（</a:t>
+            </a:r>
+            <a:r>
+              <a:rPr lang="en-US" altLang="zh-CN" sz="3000" dirty="0">
                 <a:latin typeface="Cambria Math" panose="02040503050406030204" pitchFamily="18" charset="0"/>
                 <a:ea typeface="宋体" panose="02010600030101010101" pitchFamily="2" charset="-122"/>
               </a:rPr>
               <a:t>M^2</a:t>
             </a:r>
             <a:r>
-              <a:rPr lang="zh-CN" altLang="en-US" sz="3200" dirty="0">
+              <a:rPr lang="zh-CN" altLang="en-US" sz="3000" dirty="0">
                 <a:latin typeface="Cambria Math" panose="02040503050406030204" pitchFamily="18" charset="0"/>
                 <a:ea typeface="宋体" panose="02010600030101010101" pitchFamily="2" charset="-122"/>
               </a:rPr>
               <a:t>个进程）：</a:t>
             </a:r>
             <a:br>
-              <a:rPr lang="en-US" altLang="zh-CN" sz="3200" dirty="0">
+              <a:rPr lang="en-US" altLang="zh-CN" sz="3000" dirty="0">
                 <a:latin typeface="Cambria Math" panose="02040503050406030204" pitchFamily="18" charset="0"/>
                 <a:ea typeface="宋体" panose="02010600030101010101" pitchFamily="2" charset="-122"/>
               </a:rPr>
             </a:br>
             <a:r>
-              <a:rPr lang="en-US" altLang="zh-CN" sz="3200" b="1" dirty="0">
+              <a:rPr lang="en-US" altLang="zh-CN" sz="3000" dirty="0">
                 <a:latin typeface="Cambria Math" panose="02040503050406030204" pitchFamily="18" charset="0"/>
                 <a:ea typeface="宋体" panose="02010600030101010101" pitchFamily="2" charset="-122"/>
               </a:rPr>
               <a:t>· </a:t>
             </a:r>
             <a:r>
-              <a:rPr lang="zh-CN" altLang="en-US" sz="3200" b="1" dirty="0">
-                <a:latin typeface="Cambria Math" panose="02040503050406030204" pitchFamily="18" charset="0"/>
-                <a:ea typeface="宋体" panose="02010600030101010101" pitchFamily="2" charset="-122"/>
-              </a:rPr>
-              <a:t>按行</a:t>
-            </a:r>
-            <a:r>
-              <a:rPr lang="zh-CN" altLang="en-US" sz="3200" dirty="0">
-                <a:latin typeface="Cambria Math" panose="02040503050406030204" pitchFamily="18" charset="0"/>
-                <a:ea typeface="宋体" panose="02010600030101010101" pitchFamily="2" charset="-122"/>
-              </a:rPr>
-              <a:t>：</a:t>
-            </a:r>
-            <a:r>
-              <a:rPr lang="en-US" altLang="zh-CN" sz="3200" dirty="0">
+              <a:rPr lang="zh-CN" altLang="en-US" sz="3000" dirty="0">
+                <a:latin typeface="Cambria Math" panose="02040503050406030204" pitchFamily="18" charset="0"/>
+                <a:ea typeface="宋体" panose="02010600030101010101" pitchFamily="2" charset="-122"/>
+              </a:rPr>
+              <a:t>按行：</a:t>
+            </a:r>
+            <a:r>
+              <a:rPr lang="en-US" altLang="zh-CN" sz="3000" dirty="0">
                 <a:latin typeface="Cambria Math" panose="02040503050406030204" pitchFamily="18" charset="0"/>
                 <a:ea typeface="宋体" panose="02010600030101010101" pitchFamily="2" charset="-122"/>
               </a:rPr>
               <a:t>	N*log(N^2)*f(N)</a:t>
             </a:r>
             <a:br>
-              <a:rPr lang="en-US" altLang="zh-CN" sz="3200" dirty="0">
+              <a:rPr lang="en-US" altLang="zh-CN" sz="3000" dirty="0">
                 <a:latin typeface="Cambria Math" panose="02040503050406030204" pitchFamily="18" charset="0"/>
                 <a:ea typeface="宋体" panose="02010600030101010101" pitchFamily="2" charset="-122"/>
               </a:rPr>
             </a:br>
             <a:r>
-              <a:rPr lang="en-US" altLang="zh-CN" sz="3200" b="1" dirty="0">
+              <a:rPr lang="en-US" altLang="zh-CN" sz="3000" dirty="0">
                 <a:latin typeface="Cambria Math" panose="02040503050406030204" pitchFamily="18" charset="0"/>
                 <a:ea typeface="宋体" panose="02010600030101010101" pitchFamily="2" charset="-122"/>
               </a:rPr>
               <a:t>· </a:t>
             </a:r>
             <a:r>
-              <a:rPr lang="zh-CN" altLang="en-US" sz="3200" b="1" dirty="0">
-                <a:latin typeface="Cambria Math" panose="02040503050406030204" pitchFamily="18" charset="0"/>
-                <a:ea typeface="宋体" panose="02010600030101010101" pitchFamily="2" charset="-122"/>
-              </a:rPr>
-              <a:t>按行列</a:t>
-            </a:r>
-            <a:r>
-              <a:rPr lang="zh-CN" altLang="en-US" sz="3200" dirty="0">
-                <a:latin typeface="Cambria Math" panose="02040503050406030204" pitchFamily="18" charset="0"/>
-                <a:ea typeface="宋体" panose="02010600030101010101" pitchFamily="2" charset="-122"/>
-              </a:rPr>
-              <a:t>：</a:t>
-            </a:r>
-            <a:r>
-              <a:rPr lang="en-US" altLang="zh-CN" sz="3200" dirty="0">
-                <a:latin typeface="Cambria Math" panose="02040503050406030204" pitchFamily="18" charset="0"/>
-                <a:ea typeface="宋体" panose="02010600030101010101" pitchFamily="2" charset="-122"/>
-              </a:rPr>
-              <a:t>N*(2*log(N))*</a:t>
-            </a:r>
-            <a:r>
-              <a:rPr lang="en-US" altLang="zh-CN" sz="3200" dirty="0">
+              <a:rPr lang="zh-CN" altLang="en-US" sz="3000" dirty="0">
+                <a:latin typeface="Cambria Math" panose="02040503050406030204" pitchFamily="18" charset="0"/>
+                <a:ea typeface="宋体" panose="02010600030101010101" pitchFamily="2" charset="-122"/>
+              </a:rPr>
+              <a:t>按行列：</a:t>
+            </a:r>
+            <a:r>
+              <a:rPr lang="en-US" altLang="zh-CN" sz="3000" dirty="0">
+                <a:latin typeface="Cambria Math" panose="02040503050406030204" pitchFamily="18" charset="0"/>
+                <a:ea typeface="宋体" panose="02010600030101010101" pitchFamily="2" charset="-122"/>
+              </a:rPr>
+              <a:t>	N*(2*log(N))*</a:t>
+            </a:r>
+            <a:r>
+              <a:rPr lang="en-US" altLang="zh-CN" sz="3000" dirty="0">
                 <a:solidFill>
                   <a:srgbClr val="FF0000"/>
                 </a:solidFill>
@@ -5629,7 +5601,7 @@
               <a:t>f(N/M)</a:t>
             </a:r>
             <a:br>
-              <a:rPr lang="en-US" altLang="zh-CN" sz="3200" dirty="0">
+              <a:rPr lang="en-US" altLang="zh-CN" sz="3000" dirty="0">
                 <a:solidFill>
                   <a:srgbClr val="FF0000"/>
                 </a:solidFill>
@@ -5638,13 +5610,13 @@
               </a:rPr>
             </a:br>
             <a:r>
-              <a:rPr lang="zh-CN" altLang="en-US" sz="3200" b="1" dirty="0">
+              <a:rPr lang="zh-CN" altLang="en-US" sz="3000" b="1" dirty="0">
                 <a:latin typeface="Cambria Math" panose="02040503050406030204" pitchFamily="18" charset="0"/>
                 <a:ea typeface="宋体" panose="02010600030101010101" pitchFamily="2" charset="-122"/>
               </a:rPr>
               <a:t>相当于消息传递过程也被并行化了。</a:t>
             </a:r>
-            <a:endParaRPr lang="en-US" altLang="zh-CN" sz="3200" b="1" dirty="0">
+            <a:endParaRPr lang="en-US" altLang="zh-CN" sz="3000" b="1" dirty="0">
               <a:latin typeface="Cambria Math" panose="02040503050406030204" pitchFamily="18" charset="0"/>
               <a:ea typeface="宋体" panose="02010600030101010101" pitchFamily="2" charset="-122"/>
             </a:endParaRPr>
@@ -5903,7 +5875,7 @@
                 <a:ea typeface="宋体" panose="02010600030101010101" pitchFamily="2" charset="-122"/>
                 <a:cs typeface="Liberation Mono" panose="02070409020205020404" pitchFamily="49" charset="0"/>
               </a:rPr>
-              <a:t>行</a:t>
+              <a:t>列</a:t>
             </a:r>
             <a:r>
               <a:rPr lang="zh-CN" altLang="en-US" dirty="0">
@@ -6002,7 +5974,7 @@
                 <a:ea typeface="宋体" panose="02010600030101010101" pitchFamily="2" charset="-122"/>
                 <a:cs typeface="Liberation Mono" panose="02070409020205020404" pitchFamily="49" charset="0"/>
               </a:rPr>
-              <a:t>列</a:t>
+              <a:t>行</a:t>
             </a:r>
             <a:r>
               <a:rPr lang="zh-CN" altLang="en-US" dirty="0">
@@ -6489,13 +6461,13 @@
               <a:buNone/>
             </a:pPr>
             <a:r>
-              <a:rPr lang="zh-CN" altLang="en-US" sz="3200" dirty="0">
+              <a:rPr lang="zh-CN" altLang="en-US" sz="3000" dirty="0">
                 <a:latin typeface="宋体" panose="02010600030101010101" pitchFamily="2" charset="-122"/>
                 <a:ea typeface="宋体" panose="02010600030101010101" pitchFamily="2" charset="-122"/>
               </a:rPr>
               <a:t>代码展示与讲解：以按行分块为例。</a:t>
             </a:r>
-            <a:endParaRPr lang="en-US" altLang="zh-CN" sz="3200" dirty="0">
+            <a:endParaRPr lang="en-US" altLang="zh-CN" sz="3000" dirty="0">
               <a:latin typeface="宋体" panose="02010600030101010101" pitchFamily="2" charset="-122"/>
               <a:ea typeface="宋体" panose="02010600030101010101" pitchFamily="2" charset="-122"/>
             </a:endParaRPr>
@@ -6508,55 +6480,55 @@
               <a:buNone/>
             </a:pPr>
             <a:r>
-              <a:rPr lang="zh-CN" altLang="en-US" sz="3200" dirty="0">
+              <a:rPr lang="zh-CN" altLang="en-US" sz="3000" dirty="0">
                 <a:latin typeface="宋体" panose="02010600030101010101" pitchFamily="2" charset="-122"/>
                 <a:ea typeface="宋体" panose="02010600030101010101" pitchFamily="2" charset="-122"/>
               </a:rPr>
               <a:t>实机演示：使用按行、按行列分块两种方法，对比串行与</a:t>
             </a:r>
             <a:r>
-              <a:rPr lang="en-US" altLang="zh-CN" sz="3200" dirty="0">
+              <a:rPr lang="en-US" altLang="zh-CN" sz="3000" dirty="0">
                 <a:latin typeface="宋体" panose="02010600030101010101" pitchFamily="2" charset="-122"/>
                 <a:ea typeface="宋体" panose="02010600030101010101" pitchFamily="2" charset="-122"/>
               </a:rPr>
               <a:t>4</a:t>
             </a:r>
             <a:r>
-              <a:rPr lang="zh-CN" altLang="en-US" sz="3200" dirty="0">
+              <a:rPr lang="zh-CN" altLang="en-US" sz="3000" dirty="0">
                 <a:latin typeface="宋体" panose="02010600030101010101" pitchFamily="2" charset="-122"/>
                 <a:ea typeface="宋体" panose="02010600030101010101" pitchFamily="2" charset="-122"/>
               </a:rPr>
               <a:t>、</a:t>
             </a:r>
             <a:r>
-              <a:rPr lang="en-US" altLang="zh-CN" sz="3200" dirty="0">
+              <a:rPr lang="en-US" altLang="zh-CN" sz="3000" dirty="0">
                 <a:latin typeface="宋体" panose="02010600030101010101" pitchFamily="2" charset="-122"/>
                 <a:ea typeface="宋体" panose="02010600030101010101" pitchFamily="2" charset="-122"/>
               </a:rPr>
               <a:t>9</a:t>
             </a:r>
             <a:r>
-              <a:rPr lang="zh-CN" altLang="en-US" sz="3200" dirty="0">
+              <a:rPr lang="zh-CN" altLang="en-US" sz="3000" dirty="0">
                 <a:latin typeface="宋体" panose="02010600030101010101" pitchFamily="2" charset="-122"/>
                 <a:ea typeface="宋体" panose="02010600030101010101" pitchFamily="2" charset="-122"/>
               </a:rPr>
               <a:t>、</a:t>
             </a:r>
             <a:r>
-              <a:rPr lang="en-US" altLang="zh-CN" sz="3200" dirty="0">
+              <a:rPr lang="en-US" altLang="zh-CN" sz="3000" dirty="0">
                 <a:latin typeface="宋体" panose="02010600030101010101" pitchFamily="2" charset="-122"/>
                 <a:ea typeface="宋体" panose="02010600030101010101" pitchFamily="2" charset="-122"/>
               </a:rPr>
               <a:t>12</a:t>
             </a:r>
             <a:r>
-              <a:rPr lang="zh-CN" altLang="en-US" sz="3200" dirty="0">
+              <a:rPr lang="zh-CN" altLang="en-US" sz="3000" dirty="0">
                 <a:latin typeface="宋体" panose="02010600030101010101" pitchFamily="2" charset="-122"/>
                 <a:ea typeface="宋体" panose="02010600030101010101" pitchFamily="2" charset="-122"/>
               </a:rPr>
-              <a:t>线程的答案和效果。</a:t>
-            </a:r>
-            <a:endParaRPr lang="en-US" altLang="zh-CN" sz="3200" dirty="0">
+              <a:t>线程计算的答案和效果。</a:t>
+            </a:r>
+            <a:endParaRPr lang="en-US" altLang="zh-CN" sz="3000" dirty="0">
               <a:latin typeface="宋体" panose="02010600030101010101" pitchFamily="2" charset="-122"/>
               <a:ea typeface="宋体" panose="02010600030101010101" pitchFamily="2" charset="-122"/>
             </a:endParaRPr>
